--- a/Reference materials/Advanced JAVA/41 Generic classes and methods.pptx
+++ b/Reference materials/Advanced JAVA/41 Generic classes and methods.pptx
@@ -223,7 +223,7 @@
           <a:p>
             <a:fld id="{CBDFB359-B0C7-4C2A-B5E6-DC0AAC7DC740}" type="datetimeFigureOut">
               <a:rPr lang="en-IN" smtClean="0"/>
-              <a:t>15-04-2021</a:t>
+              <a:t>22-04-2021</a:t>
             </a:fld>
             <a:endParaRPr lang="en-IN"/>
           </a:p>
@@ -287,35 +287,35 @@
           <a:p>
             <a:pPr lvl="0"/>
             <a:r>
-              <a:rPr lang="en-US" smtClean="0"/>
+              <a:rPr lang="en-US"/>
               <a:t>Click to edit Master text styles</a:t>
             </a:r>
           </a:p>
           <a:p>
             <a:pPr lvl="1"/>
             <a:r>
-              <a:rPr lang="en-US" smtClean="0"/>
+              <a:rPr lang="en-US"/>
               <a:t>Second level</a:t>
             </a:r>
           </a:p>
           <a:p>
             <a:pPr lvl="2"/>
             <a:r>
-              <a:rPr lang="en-US" smtClean="0"/>
+              <a:rPr lang="en-US"/>
               <a:t>Third level</a:t>
             </a:r>
           </a:p>
           <a:p>
             <a:pPr lvl="3"/>
             <a:r>
-              <a:rPr lang="en-US" smtClean="0"/>
+              <a:rPr lang="en-US"/>
               <a:t>Fourth level</a:t>
             </a:r>
           </a:p>
           <a:p>
             <a:pPr lvl="4"/>
             <a:r>
-              <a:rPr lang="en-US" smtClean="0"/>
+              <a:rPr lang="en-US"/>
               <a:t>Fifth level</a:t>
             </a:r>
             <a:endParaRPr lang="en-IN"/>
@@ -661,10 +661,9 @@
           </a:lstStyle>
           <a:p>
             <a:r>
-              <a:rPr kumimoji="0" lang="en-US" smtClean="0"/>
+              <a:rPr kumimoji="0" lang="en-US"/>
               <a:t>Click to edit Master subtitle style</a:t>
             </a:r>
-            <a:endParaRPr kumimoji="0" lang="en-US"/>
           </a:p>
         </p:txBody>
       </p:sp>
@@ -686,7 +685,7 @@
             <a:fld id="{1D8BD707-D9CF-40AE-B4C6-C98DA3205C09}" type="datetimeFigureOut">
               <a:rPr lang="en-US" smtClean="0"/>
               <a:pPr/>
-              <a:t>4/15/2021</a:t>
+              <a:t>4/22/2021</a:t>
             </a:fld>
             <a:endParaRPr lang="en-US"/>
           </a:p>
@@ -916,10 +915,9 @@
           </a:lstStyle>
           <a:p>
             <a:r>
-              <a:rPr kumimoji="0" lang="en-US" smtClean="0"/>
+              <a:rPr kumimoji="0" lang="en-US"/>
               <a:t>Click to edit Master title style</a:t>
             </a:r>
-            <a:endParaRPr kumimoji="0" lang="en-US"/>
           </a:p>
         </p:txBody>
       </p:sp>
@@ -964,10 +962,9 @@
           <a:lstStyle/>
           <a:p>
             <a:r>
-              <a:rPr kumimoji="0" lang="en-US" smtClean="0"/>
+              <a:rPr kumimoji="0" lang="en-US"/>
               <a:t>Click to edit Master title style</a:t>
             </a:r>
-            <a:endParaRPr kumimoji="0" lang="en-US"/>
           </a:p>
         </p:txBody>
       </p:sp>
@@ -988,35 +985,35 @@
           <a:p>
             <a:pPr lvl="0" eaLnBrk="1" latinLnBrk="0" hangingPunct="1"/>
             <a:r>
-              <a:rPr lang="en-US" smtClean="0"/>
+              <a:rPr lang="en-US"/>
               <a:t>Click to edit Master text styles</a:t>
             </a:r>
           </a:p>
           <a:p>
             <a:pPr lvl="1" eaLnBrk="1" latinLnBrk="0" hangingPunct="1"/>
             <a:r>
-              <a:rPr lang="en-US" smtClean="0"/>
+              <a:rPr lang="en-US"/>
               <a:t>Second level</a:t>
             </a:r>
           </a:p>
           <a:p>
             <a:pPr lvl="2" eaLnBrk="1" latinLnBrk="0" hangingPunct="1"/>
             <a:r>
-              <a:rPr lang="en-US" smtClean="0"/>
+              <a:rPr lang="en-US"/>
               <a:t>Third level</a:t>
             </a:r>
           </a:p>
           <a:p>
             <a:pPr lvl="3" eaLnBrk="1" latinLnBrk="0" hangingPunct="1"/>
             <a:r>
-              <a:rPr lang="en-US" smtClean="0"/>
+              <a:rPr lang="en-US"/>
               <a:t>Fourth level</a:t>
             </a:r>
           </a:p>
           <a:p>
             <a:pPr lvl="4" eaLnBrk="1" latinLnBrk="0" hangingPunct="1"/>
             <a:r>
-              <a:rPr lang="en-US" smtClean="0"/>
+              <a:rPr lang="en-US"/>
               <a:t>Fifth level</a:t>
             </a:r>
             <a:endParaRPr kumimoji="0" lang="en-US"/>
@@ -1041,7 +1038,7 @@
             <a:fld id="{1D8BD707-D9CF-40AE-B4C6-C98DA3205C09}" type="datetimeFigureOut">
               <a:rPr lang="en-US" smtClean="0"/>
               <a:pPr/>
-              <a:t>4/15/2021</a:t>
+              <a:t>4/22/2021</a:t>
             </a:fld>
             <a:endParaRPr lang="en-US"/>
           </a:p>
@@ -1136,10 +1133,9 @@
           <a:lstStyle/>
           <a:p>
             <a:r>
-              <a:rPr kumimoji="0" lang="en-US" smtClean="0"/>
+              <a:rPr kumimoji="0" lang="en-US"/>
               <a:t>Click to edit Master title style</a:t>
             </a:r>
-            <a:endParaRPr kumimoji="0" lang="en-US"/>
           </a:p>
         </p:txBody>
       </p:sp>
@@ -1165,35 +1161,35 @@
           <a:p>
             <a:pPr lvl="0" eaLnBrk="1" latinLnBrk="0" hangingPunct="1"/>
             <a:r>
-              <a:rPr lang="en-US" smtClean="0"/>
+              <a:rPr lang="en-US"/>
               <a:t>Click to edit Master text styles</a:t>
             </a:r>
           </a:p>
           <a:p>
             <a:pPr lvl="1" eaLnBrk="1" latinLnBrk="0" hangingPunct="1"/>
             <a:r>
-              <a:rPr lang="en-US" smtClean="0"/>
+              <a:rPr lang="en-US"/>
               <a:t>Second level</a:t>
             </a:r>
           </a:p>
           <a:p>
             <a:pPr lvl="2" eaLnBrk="1" latinLnBrk="0" hangingPunct="1"/>
             <a:r>
-              <a:rPr lang="en-US" smtClean="0"/>
+              <a:rPr lang="en-US"/>
               <a:t>Third level</a:t>
             </a:r>
           </a:p>
           <a:p>
             <a:pPr lvl="3" eaLnBrk="1" latinLnBrk="0" hangingPunct="1"/>
             <a:r>
-              <a:rPr lang="en-US" smtClean="0"/>
+              <a:rPr lang="en-US"/>
               <a:t>Fourth level</a:t>
             </a:r>
           </a:p>
           <a:p>
             <a:pPr lvl="4" eaLnBrk="1" latinLnBrk="0" hangingPunct="1"/>
             <a:r>
-              <a:rPr lang="en-US" smtClean="0"/>
+              <a:rPr lang="en-US"/>
               <a:t>Fifth level</a:t>
             </a:r>
             <a:endParaRPr kumimoji="0" lang="en-US"/>
@@ -1218,7 +1214,7 @@
             <a:fld id="{1D8BD707-D9CF-40AE-B4C6-C98DA3205C09}" type="datetimeFigureOut">
               <a:rPr lang="en-US" smtClean="0"/>
               <a:pPr/>
-              <a:t>4/15/2021</a:t>
+              <a:t>4/22/2021</a:t>
             </a:fld>
             <a:endParaRPr lang="en-US"/>
           </a:p>
@@ -1308,10 +1304,9 @@
           <a:lstStyle/>
           <a:p>
             <a:r>
-              <a:rPr kumimoji="0" lang="en-US" smtClean="0"/>
+              <a:rPr kumimoji="0" lang="en-US"/>
               <a:t>Click to edit Master title style</a:t>
             </a:r>
-            <a:endParaRPr kumimoji="0" lang="en-US"/>
           </a:p>
         </p:txBody>
       </p:sp>
@@ -1333,7 +1328,7 @@
             <a:fld id="{1D8BD707-D9CF-40AE-B4C6-C98DA3205C09}" type="datetimeFigureOut">
               <a:rPr lang="en-US" smtClean="0"/>
               <a:pPr/>
-              <a:t>4/15/2021</a:t>
+              <a:t>4/22/2021</a:t>
             </a:fld>
             <a:endParaRPr lang="en-US"/>
           </a:p>
@@ -1404,35 +1399,35 @@
           <a:p>
             <a:pPr lvl="0" eaLnBrk="1" latinLnBrk="0" hangingPunct="1"/>
             <a:r>
-              <a:rPr lang="en-US" smtClean="0"/>
+              <a:rPr lang="en-US"/>
               <a:t>Click to edit Master text styles</a:t>
             </a:r>
           </a:p>
           <a:p>
             <a:pPr lvl="1" eaLnBrk="1" latinLnBrk="0" hangingPunct="1"/>
             <a:r>
-              <a:rPr lang="en-US" smtClean="0"/>
+              <a:rPr lang="en-US"/>
               <a:t>Second level</a:t>
             </a:r>
           </a:p>
           <a:p>
             <a:pPr lvl="2" eaLnBrk="1" latinLnBrk="0" hangingPunct="1"/>
             <a:r>
-              <a:rPr lang="en-US" smtClean="0"/>
+              <a:rPr lang="en-US"/>
               <a:t>Third level</a:t>
             </a:r>
           </a:p>
           <a:p>
             <a:pPr lvl="3" eaLnBrk="1" latinLnBrk="0" hangingPunct="1"/>
             <a:r>
-              <a:rPr lang="en-US" smtClean="0"/>
+              <a:rPr lang="en-US"/>
               <a:t>Fourth level</a:t>
             </a:r>
           </a:p>
           <a:p>
             <a:pPr lvl="4" eaLnBrk="1" latinLnBrk="0" hangingPunct="1"/>
             <a:r>
-              <a:rPr lang="en-US" smtClean="0"/>
+              <a:rPr lang="en-US"/>
               <a:t>Fifth level</a:t>
             </a:r>
             <a:endParaRPr kumimoji="0" lang="en-US"/>
@@ -1589,10 +1584,9 @@
           </a:lstStyle>
           <a:p>
             <a:r>
-              <a:rPr kumimoji="0" lang="en-US" smtClean="0"/>
+              <a:rPr kumimoji="0" lang="en-US"/>
               <a:t>Click to edit Master title style</a:t>
             </a:r>
-            <a:endParaRPr kumimoji="0" lang="en-US"/>
           </a:p>
         </p:txBody>
       </p:sp>
@@ -1669,7 +1663,7 @@
           <a:p>
             <a:pPr lvl="0" eaLnBrk="1" latinLnBrk="0" hangingPunct="1"/>
             <a:r>
-              <a:rPr kumimoji="0" lang="en-US" smtClean="0"/>
+              <a:rPr kumimoji="0" lang="en-US"/>
               <a:t>Click to edit Master text styles</a:t>
             </a:r>
           </a:p>
@@ -1693,7 +1687,7 @@
             <a:fld id="{1D8BD707-D9CF-40AE-B4C6-C98DA3205C09}" type="datetimeFigureOut">
               <a:rPr lang="en-US" smtClean="0"/>
               <a:pPr/>
-              <a:t>4/15/2021</a:t>
+              <a:t>4/22/2021</a:t>
             </a:fld>
             <a:endParaRPr lang="en-US"/>
           </a:p>
@@ -1935,10 +1929,9 @@
           <a:lstStyle/>
           <a:p>
             <a:r>
-              <a:rPr kumimoji="0" lang="en-US" smtClean="0"/>
+              <a:rPr kumimoji="0" lang="en-US"/>
               <a:t>Click to edit Master title style</a:t>
             </a:r>
-            <a:endParaRPr kumimoji="0" lang="en-US"/>
           </a:p>
         </p:txBody>
       </p:sp>
@@ -1960,7 +1953,7 @@
             <a:fld id="{1D8BD707-D9CF-40AE-B4C6-C98DA3205C09}" type="datetimeFigureOut">
               <a:rPr lang="en-US" smtClean="0"/>
               <a:pPr/>
-              <a:t>4/15/2021</a:t>
+              <a:t>4/22/2021</a:t>
             </a:fld>
             <a:endParaRPr lang="en-US"/>
           </a:p>
@@ -2031,35 +2024,35 @@
           <a:p>
             <a:pPr lvl="0" eaLnBrk="1" latinLnBrk="0" hangingPunct="1"/>
             <a:r>
-              <a:rPr lang="en-US" smtClean="0"/>
+              <a:rPr lang="en-US"/>
               <a:t>Click to edit Master text styles</a:t>
             </a:r>
           </a:p>
           <a:p>
             <a:pPr lvl="1" eaLnBrk="1" latinLnBrk="0" hangingPunct="1"/>
             <a:r>
-              <a:rPr lang="en-US" smtClean="0"/>
+              <a:rPr lang="en-US"/>
               <a:t>Second level</a:t>
             </a:r>
           </a:p>
           <a:p>
             <a:pPr lvl="2" eaLnBrk="1" latinLnBrk="0" hangingPunct="1"/>
             <a:r>
-              <a:rPr lang="en-US" smtClean="0"/>
+              <a:rPr lang="en-US"/>
               <a:t>Third level</a:t>
             </a:r>
           </a:p>
           <a:p>
             <a:pPr lvl="3" eaLnBrk="1" latinLnBrk="0" hangingPunct="1"/>
             <a:r>
-              <a:rPr lang="en-US" smtClean="0"/>
+              <a:rPr lang="en-US"/>
               <a:t>Fourth level</a:t>
             </a:r>
           </a:p>
           <a:p>
             <a:pPr lvl="4" eaLnBrk="1" latinLnBrk="0" hangingPunct="1"/>
             <a:r>
-              <a:rPr lang="en-US" smtClean="0"/>
+              <a:rPr lang="en-US"/>
               <a:t>Fifth level</a:t>
             </a:r>
             <a:endParaRPr kumimoji="0" lang="en-US"/>
@@ -2088,35 +2081,35 @@
           <a:p>
             <a:pPr lvl="0" eaLnBrk="1" latinLnBrk="0" hangingPunct="1"/>
             <a:r>
-              <a:rPr lang="en-US" smtClean="0"/>
+              <a:rPr lang="en-US"/>
               <a:t>Click to edit Master text styles</a:t>
             </a:r>
           </a:p>
           <a:p>
             <a:pPr lvl="1" eaLnBrk="1" latinLnBrk="0" hangingPunct="1"/>
             <a:r>
-              <a:rPr lang="en-US" smtClean="0"/>
+              <a:rPr lang="en-US"/>
               <a:t>Second level</a:t>
             </a:r>
           </a:p>
           <a:p>
             <a:pPr lvl="2" eaLnBrk="1" latinLnBrk="0" hangingPunct="1"/>
             <a:r>
-              <a:rPr lang="en-US" smtClean="0"/>
+              <a:rPr lang="en-US"/>
               <a:t>Third level</a:t>
             </a:r>
           </a:p>
           <a:p>
             <a:pPr lvl="3" eaLnBrk="1" latinLnBrk="0" hangingPunct="1"/>
             <a:r>
-              <a:rPr lang="en-US" smtClean="0"/>
+              <a:rPr lang="en-US"/>
               <a:t>Fourth level</a:t>
             </a:r>
           </a:p>
           <a:p>
             <a:pPr lvl="4" eaLnBrk="1" latinLnBrk="0" hangingPunct="1"/>
             <a:r>
-              <a:rPr lang="en-US" smtClean="0"/>
+              <a:rPr lang="en-US"/>
               <a:t>Fifth level</a:t>
             </a:r>
             <a:endParaRPr kumimoji="0" lang="en-US"/>
@@ -2173,10 +2166,9 @@
           </a:lstStyle>
           <a:p>
             <a:r>
-              <a:rPr kumimoji="0" lang="en-US" smtClean="0"/>
+              <a:rPr kumimoji="0" lang="en-US"/>
               <a:t>Click to edit Master title style</a:t>
             </a:r>
-            <a:endParaRPr kumimoji="0" lang="en-US"/>
           </a:p>
         </p:txBody>
       </p:sp>
@@ -2237,7 +2229,7 @@
           <a:p>
             <a:pPr lvl="0" eaLnBrk="1" latinLnBrk="0" hangingPunct="1"/>
             <a:r>
-              <a:rPr kumimoji="0" lang="en-US" smtClean="0"/>
+              <a:rPr kumimoji="0" lang="en-US"/>
               <a:t>Click to edit Master text styles</a:t>
             </a:r>
           </a:p>
@@ -2300,7 +2292,7 @@
           <a:p>
             <a:pPr lvl="0" eaLnBrk="1" latinLnBrk="0" hangingPunct="1"/>
             <a:r>
-              <a:rPr kumimoji="0" lang="en-US" smtClean="0"/>
+              <a:rPr kumimoji="0" lang="en-US"/>
               <a:t>Click to edit Master text styles</a:t>
             </a:r>
           </a:p>
@@ -2324,7 +2316,7 @@
             <a:fld id="{1D8BD707-D9CF-40AE-B4C6-C98DA3205C09}" type="datetimeFigureOut">
               <a:rPr lang="en-US" smtClean="0"/>
               <a:pPr/>
-              <a:t>4/15/2021</a:t>
+              <a:t>4/22/2021</a:t>
             </a:fld>
             <a:endParaRPr lang="en-US"/>
           </a:p>
@@ -2395,35 +2387,35 @@
           <a:p>
             <a:pPr lvl="0" eaLnBrk="1" latinLnBrk="0" hangingPunct="1"/>
             <a:r>
-              <a:rPr lang="en-US" smtClean="0"/>
+              <a:rPr lang="en-US"/>
               <a:t>Click to edit Master text styles</a:t>
             </a:r>
           </a:p>
           <a:p>
             <a:pPr lvl="1" eaLnBrk="1" latinLnBrk="0" hangingPunct="1"/>
             <a:r>
-              <a:rPr lang="en-US" smtClean="0"/>
+              <a:rPr lang="en-US"/>
               <a:t>Second level</a:t>
             </a:r>
           </a:p>
           <a:p>
             <a:pPr lvl="2" eaLnBrk="1" latinLnBrk="0" hangingPunct="1"/>
             <a:r>
-              <a:rPr lang="en-US" smtClean="0"/>
+              <a:rPr lang="en-US"/>
               <a:t>Third level</a:t>
             </a:r>
           </a:p>
           <a:p>
             <a:pPr lvl="3" eaLnBrk="1" latinLnBrk="0" hangingPunct="1"/>
             <a:r>
-              <a:rPr lang="en-US" smtClean="0"/>
+              <a:rPr lang="en-US"/>
               <a:t>Fourth level</a:t>
             </a:r>
           </a:p>
           <a:p>
             <a:pPr lvl="4" eaLnBrk="1" latinLnBrk="0" hangingPunct="1"/>
             <a:r>
-              <a:rPr lang="en-US" smtClean="0"/>
+              <a:rPr lang="en-US"/>
               <a:t>Fifth level</a:t>
             </a:r>
             <a:endParaRPr kumimoji="0" lang="en-US"/>
@@ -2452,35 +2444,35 @@
           <a:p>
             <a:pPr lvl="0" eaLnBrk="1" latinLnBrk="0" hangingPunct="1"/>
             <a:r>
-              <a:rPr lang="en-US" smtClean="0"/>
+              <a:rPr lang="en-US"/>
               <a:t>Click to edit Master text styles</a:t>
             </a:r>
           </a:p>
           <a:p>
             <a:pPr lvl="1" eaLnBrk="1" latinLnBrk="0" hangingPunct="1"/>
             <a:r>
-              <a:rPr lang="en-US" smtClean="0"/>
+              <a:rPr lang="en-US"/>
               <a:t>Second level</a:t>
             </a:r>
           </a:p>
           <a:p>
             <a:pPr lvl="2" eaLnBrk="1" latinLnBrk="0" hangingPunct="1"/>
             <a:r>
-              <a:rPr lang="en-US" smtClean="0"/>
+              <a:rPr lang="en-US"/>
               <a:t>Third level</a:t>
             </a:r>
           </a:p>
           <a:p>
             <a:pPr lvl="3" eaLnBrk="1" latinLnBrk="0" hangingPunct="1"/>
             <a:r>
-              <a:rPr lang="en-US" smtClean="0"/>
+              <a:rPr lang="en-US"/>
               <a:t>Fourth level</a:t>
             </a:r>
           </a:p>
           <a:p>
             <a:pPr lvl="4" eaLnBrk="1" latinLnBrk="0" hangingPunct="1"/>
             <a:r>
-              <a:rPr lang="en-US" smtClean="0"/>
+              <a:rPr lang="en-US"/>
               <a:t>Fifth level</a:t>
             </a:r>
             <a:endParaRPr kumimoji="0" lang="en-US"/>
@@ -2528,10 +2520,9 @@
           <a:lstStyle/>
           <a:p>
             <a:r>
-              <a:rPr kumimoji="0" lang="en-US" smtClean="0"/>
+              <a:rPr kumimoji="0" lang="en-US"/>
               <a:t>Click to edit Master title style</a:t>
             </a:r>
-            <a:endParaRPr kumimoji="0" lang="en-US"/>
           </a:p>
         </p:txBody>
       </p:sp>
@@ -2553,7 +2544,7 @@
             <a:fld id="{1D8BD707-D9CF-40AE-B4C6-C98DA3205C09}" type="datetimeFigureOut">
               <a:rPr lang="en-US" smtClean="0"/>
               <a:pPr/>
-              <a:t>4/15/2021</a:t>
+              <a:t>4/22/2021</a:t>
             </a:fld>
             <a:endParaRPr lang="en-US"/>
           </a:p>
@@ -2645,7 +2636,7 @@
             <a:fld id="{1D8BD707-D9CF-40AE-B4C6-C98DA3205C09}" type="datetimeFigureOut">
               <a:rPr lang="en-US" smtClean="0"/>
               <a:pPr/>
-              <a:t>4/15/2021</a:t>
+              <a:t>4/22/2021</a:t>
             </a:fld>
             <a:endParaRPr lang="en-US"/>
           </a:p>
@@ -2840,10 +2831,9 @@
           </a:lstStyle>
           <a:p>
             <a:r>
-              <a:rPr kumimoji="0" lang="en-US" smtClean="0"/>
+              <a:rPr kumimoji="0" lang="en-US"/>
               <a:t>Click to edit Master title style</a:t>
             </a:r>
-            <a:endParaRPr kumimoji="0" lang="en-US"/>
           </a:p>
         </p:txBody>
       </p:sp>
@@ -2890,7 +2880,7 @@
           <a:p>
             <a:pPr lvl="0" eaLnBrk="1" latinLnBrk="0" hangingPunct="1"/>
             <a:r>
-              <a:rPr kumimoji="0" lang="en-US" smtClean="0"/>
+              <a:rPr kumimoji="0" lang="en-US"/>
               <a:t>Click to edit Master text styles</a:t>
             </a:r>
           </a:p>
@@ -2914,7 +2904,7 @@
             <a:fld id="{1D8BD707-D9CF-40AE-B4C6-C98DA3205C09}" type="datetimeFigureOut">
               <a:rPr lang="en-US" smtClean="0"/>
               <a:pPr/>
-              <a:t>4/15/2021</a:t>
+              <a:t>4/22/2021</a:t>
             </a:fld>
             <a:endParaRPr lang="en-US"/>
           </a:p>
@@ -2985,35 +2975,35 @@
           <a:p>
             <a:pPr lvl="0" eaLnBrk="1" latinLnBrk="0" hangingPunct="1"/>
             <a:r>
-              <a:rPr lang="en-US" smtClean="0"/>
+              <a:rPr lang="en-US"/>
               <a:t>Click to edit Master text styles</a:t>
             </a:r>
           </a:p>
           <a:p>
             <a:pPr lvl="1" eaLnBrk="1" latinLnBrk="0" hangingPunct="1"/>
             <a:r>
-              <a:rPr lang="en-US" smtClean="0"/>
+              <a:rPr lang="en-US"/>
               <a:t>Second level</a:t>
             </a:r>
           </a:p>
           <a:p>
             <a:pPr lvl="2" eaLnBrk="1" latinLnBrk="0" hangingPunct="1"/>
             <a:r>
-              <a:rPr lang="en-US" smtClean="0"/>
+              <a:rPr lang="en-US"/>
               <a:t>Third level</a:t>
             </a:r>
           </a:p>
           <a:p>
             <a:pPr lvl="3" eaLnBrk="1" latinLnBrk="0" hangingPunct="1"/>
             <a:r>
-              <a:rPr lang="en-US" smtClean="0"/>
+              <a:rPr lang="en-US"/>
               <a:t>Fourth level</a:t>
             </a:r>
           </a:p>
           <a:p>
             <a:pPr lvl="4" eaLnBrk="1" latinLnBrk="0" hangingPunct="1"/>
             <a:r>
-              <a:rPr lang="en-US" smtClean="0"/>
+              <a:rPr lang="en-US"/>
               <a:t>Fifth level</a:t>
             </a:r>
             <a:endParaRPr kumimoji="0" lang="en-US"/>
@@ -3073,10 +3063,9 @@
           </a:lstStyle>
           <a:p>
             <a:r>
-              <a:rPr kumimoji="0" lang="en-US" smtClean="0"/>
+              <a:rPr kumimoji="0" lang="en-US"/>
               <a:t>Click to edit Master title style</a:t>
             </a:r>
-            <a:endParaRPr kumimoji="0" lang="en-US"/>
           </a:p>
         </p:txBody>
       </p:sp>
@@ -3120,7 +3109,7 @@
           <a:p>
             <a:pPr lvl="0" eaLnBrk="1" latinLnBrk="0" hangingPunct="1"/>
             <a:r>
-              <a:rPr kumimoji="0" lang="en-US" smtClean="0"/>
+              <a:rPr kumimoji="0" lang="en-US"/>
               <a:t>Click to edit Master text styles</a:t>
             </a:r>
           </a:p>
@@ -3144,7 +3133,7 @@
             <a:fld id="{1D8BD707-D9CF-40AE-B4C6-C98DA3205C09}" type="datetimeFigureOut">
               <a:rPr lang="en-US" smtClean="0"/>
               <a:pPr/>
-              <a:t>4/15/2021</a:t>
+              <a:t>4/22/2021</a:t>
             </a:fld>
             <a:endParaRPr lang="en-US"/>
           </a:p>
@@ -3385,7 +3374,7 @@
           </a:lstStyle>
           <a:p>
             <a:r>
-              <a:rPr kumimoji="0" lang="en-US" smtClean="0"/>
+              <a:rPr kumimoji="0" lang="en-US"/>
               <a:t>Click icon to add picture</a:t>
             </a:r>
             <a:endParaRPr kumimoji="0" lang="en-US" dirty="0"/>
@@ -3542,10 +3531,9 @@
           <a:lstStyle/>
           <a:p>
             <a:r>
-              <a:rPr kumimoji="0" lang="en-US" smtClean="0"/>
+              <a:rPr kumimoji="0" lang="en-US"/>
               <a:t>Click to edit Master title style</a:t>
             </a:r>
-            <a:endParaRPr kumimoji="0" lang="en-US"/>
           </a:p>
         </p:txBody>
       </p:sp>
@@ -3576,38 +3564,37 @@
           <a:p>
             <a:pPr lvl="0" eaLnBrk="1" latinLnBrk="0" hangingPunct="1"/>
             <a:r>
-              <a:rPr kumimoji="0" lang="en-US" smtClean="0"/>
+              <a:rPr kumimoji="0" lang="en-US"/>
               <a:t>Click to edit Master text styles</a:t>
             </a:r>
           </a:p>
           <a:p>
             <a:pPr lvl="1" eaLnBrk="1" latinLnBrk="0" hangingPunct="1"/>
             <a:r>
-              <a:rPr kumimoji="0" lang="en-US" smtClean="0"/>
+              <a:rPr kumimoji="0" lang="en-US"/>
               <a:t>Second level</a:t>
             </a:r>
           </a:p>
           <a:p>
             <a:pPr lvl="2" eaLnBrk="1" latinLnBrk="0" hangingPunct="1"/>
             <a:r>
-              <a:rPr kumimoji="0" lang="en-US" smtClean="0"/>
+              <a:rPr kumimoji="0" lang="en-US"/>
               <a:t>Third level</a:t>
             </a:r>
           </a:p>
           <a:p>
             <a:pPr lvl="3" eaLnBrk="1" latinLnBrk="0" hangingPunct="1"/>
             <a:r>
-              <a:rPr kumimoji="0" lang="en-US" smtClean="0"/>
+              <a:rPr kumimoji="0" lang="en-US"/>
               <a:t>Fourth level</a:t>
             </a:r>
           </a:p>
           <a:p>
             <a:pPr lvl="4" eaLnBrk="1" latinLnBrk="0" hangingPunct="1"/>
             <a:r>
-              <a:rPr kumimoji="0" lang="en-US" smtClean="0"/>
+              <a:rPr kumimoji="0" lang="en-US"/>
               <a:t>Fifth level</a:t>
             </a:r>
-            <a:endParaRPr kumimoji="0" lang="en-US"/>
           </a:p>
         </p:txBody>
       </p:sp>
@@ -3645,7 +3632,7 @@
             <a:fld id="{1D8BD707-D9CF-40AE-B4C6-C98DA3205C09}" type="datetimeFigureOut">
               <a:rPr lang="en-US" smtClean="0"/>
               <a:pPr/>
-              <a:t>4/15/2021</a:t>
+              <a:t>4/22/2021</a:t>
             </a:fld>
             <a:endParaRPr lang="en-US"/>
           </a:p>
@@ -4085,7 +4072,7 @@
           <a:lstStyle/>
           <a:p>
             <a:r>
-              <a:rPr lang="en-US" dirty="0" smtClean="0"/>
+              <a:rPr lang="en-US" dirty="0"/>
               <a:t>Generic</a:t>
             </a:r>
             <a:endParaRPr lang="en-IN" dirty="0"/>
@@ -4102,13 +4089,6 @@
   <p:clrMapOvr>
     <a:masterClrMapping/>
   </p:clrMapOvr>
-  <p:timing>
-    <p:tnLst>
-      <p:par>
-        <p:cTn id="1" dur="indefinite" restart="never" nodeType="tmRoot"/>
-      </p:par>
-    </p:tnLst>
-  </p:timing>
 </p:sld>
 </file>
 
@@ -4145,10 +4125,9 @@
           <a:lstStyle/>
           <a:p>
             <a:r>
-              <a:rPr lang="en-IN" dirty="0" smtClean="0"/>
+              <a:rPr lang="en-IN" dirty="0"/>
               <a:t>Generic methods</a:t>
             </a:r>
-            <a:endParaRPr lang="en-IN" dirty="0"/>
           </a:p>
         </p:txBody>
       </p:sp>
@@ -4197,20 +4176,16 @@
               <a:buNone/>
             </a:pPr>
             <a:r>
-              <a:rPr lang="fr-FR" dirty="0" smtClean="0"/>
+              <a:rPr lang="fr-FR" dirty="0"/>
               <a:t>	</a:t>
             </a:r>
             <a:r>
-              <a:rPr lang="fr-FR" dirty="0" err="1" smtClean="0"/>
+              <a:rPr lang="fr-FR" dirty="0" err="1"/>
               <a:t>static</a:t>
             </a:r>
             <a:r>
-              <a:rPr lang="fr-FR" dirty="0" smtClean="0"/>
-              <a:t> </a:t>
-            </a:r>
-            <a:r>
               <a:rPr lang="fr-FR" dirty="0"/>
-              <a:t>&lt;T, V </a:t>
+              <a:t> &lt;T, V </a:t>
             </a:r>
             <a:r>
               <a:rPr lang="fr-FR" dirty="0" err="1"/>
@@ -4234,44 +4209,36 @@
             </a:r>
             <a:r>
               <a:rPr lang="fr-FR" dirty="0"/>
-              <a:t>(T x, V[] y) </a:t>
-            </a:r>
-            <a:r>
-              <a:rPr lang="fr-FR" dirty="0" smtClean="0"/>
-              <a:t>{</a:t>
-            </a:r>
-          </a:p>
-          <a:p>
-            <a:pPr marL="0" indent="0">
-              <a:buNone/>
-            </a:pPr>
-            <a:r>
-              <a:rPr lang="nn-NO" dirty="0" smtClean="0"/>
-              <a:t>	for(int </a:t>
-            </a:r>
+              <a:t>(T x, V[] y) {</a:t>
+            </a:r>
+          </a:p>
+          <a:p>
+            <a:pPr marL="0" indent="0">
+              <a:buNone/>
+            </a:pPr>
             <a:r>
               <a:rPr lang="nn-NO" dirty="0"/>
-              <a:t>i=0; i &lt; y.length; i++)</a:t>
-            </a:r>
-          </a:p>
-          <a:p>
-            <a:pPr marL="0" indent="0">
-              <a:buNone/>
-            </a:pPr>
-            <a:r>
-              <a:rPr lang="en-IN" dirty="0" smtClean="0"/>
+              <a:t>	for(int i=0; i &lt; y.length; i++)</a:t>
+            </a:r>
+          </a:p>
+          <a:p>
+            <a:pPr marL="0" indent="0">
+              <a:buNone/>
+            </a:pPr>
+            <a:r>
+              <a:rPr lang="en-IN" dirty="0"/>
               <a:t>		if(</a:t>
             </a:r>
             <a:r>
-              <a:rPr lang="en-IN" dirty="0" err="1" smtClean="0"/>
+              <a:rPr lang="en-IN" dirty="0" err="1"/>
               <a:t>x.equals</a:t>
             </a:r>
             <a:r>
-              <a:rPr lang="en-IN" dirty="0" smtClean="0"/>
+              <a:rPr lang="en-IN" dirty="0"/>
               <a:t>(y[</a:t>
             </a:r>
             <a:r>
-              <a:rPr lang="en-IN" dirty="0" err="1" smtClean="0"/>
+              <a:rPr lang="en-IN" dirty="0" err="1"/>
               <a:t>i</a:t>
             </a:r>
             <a:r>
@@ -4284,23 +4251,18 @@
               <a:buNone/>
             </a:pPr>
             <a:r>
-              <a:rPr lang="en-IN" dirty="0" smtClean="0"/>
-              <a:t>		return </a:t>
-            </a:r>
-            <a:r>
               <a:rPr lang="en-IN" dirty="0"/>
-              <a:t>false;</a:t>
-            </a:r>
-          </a:p>
-          <a:p>
-            <a:pPr marL="0" indent="0">
-              <a:buNone/>
-            </a:pPr>
-            <a:r>
-              <a:rPr lang="en-IN" dirty="0" smtClean="0"/>
+              <a:t>		return false;</a:t>
+            </a:r>
+          </a:p>
+          <a:p>
+            <a:pPr marL="0" indent="0">
+              <a:buNone/>
+            </a:pPr>
+            <a:r>
+              <a:rPr lang="en-IN" dirty="0"/>
               <a:t>	}</a:t>
             </a:r>
-            <a:endParaRPr lang="en-IN" dirty="0"/>
           </a:p>
         </p:txBody>
       </p:sp>
@@ -4436,11 +4398,11 @@
               <a:buNone/>
             </a:pPr>
             <a:r>
-              <a:rPr lang="en-IN" sz="1600" dirty="0" smtClean="0"/>
+              <a:rPr lang="en-IN" sz="1600" dirty="0"/>
               <a:t>	</a:t>
             </a:r>
             <a:r>
-              <a:rPr lang="en-IN" sz="1600" dirty="0" err="1" smtClean="0"/>
+              <a:rPr lang="en-IN" sz="1600" dirty="0" err="1"/>
               <a:t>System.out.println</a:t>
             </a:r>
             <a:r>
@@ -4486,11 +4448,11 @@
               <a:buNone/>
             </a:pPr>
             <a:r>
-              <a:rPr lang="en-US" sz="1600" dirty="0" smtClean="0"/>
+              <a:rPr lang="en-US" sz="1600" dirty="0"/>
               <a:t>	</a:t>
             </a:r>
             <a:r>
-              <a:rPr lang="en-US" sz="1600" dirty="0" err="1" smtClean="0"/>
+              <a:rPr lang="en-US" sz="1600" dirty="0" err="1"/>
               <a:t>System.out.println</a:t>
             </a:r>
             <a:r>
@@ -4592,11 +4554,11 @@
               <a:buNone/>
             </a:pPr>
             <a:r>
-              <a:rPr lang="en-US" sz="1600" dirty="0" smtClean="0"/>
+              <a:rPr lang="en-US" sz="1600" dirty="0"/>
               <a:t>	</a:t>
             </a:r>
             <a:r>
-              <a:rPr lang="en-US" sz="1600" dirty="0" err="1" smtClean="0"/>
+              <a:rPr lang="en-US" sz="1600" dirty="0" err="1"/>
               <a:t>System.out.println</a:t>
             </a:r>
             <a:r>
@@ -4642,11 +4604,11 @@
               <a:buNone/>
             </a:pPr>
             <a:r>
-              <a:rPr lang="en-US" sz="1600" dirty="0" smtClean="0"/>
+              <a:rPr lang="en-US" sz="1600" dirty="0"/>
               <a:t>	</a:t>
             </a:r>
             <a:r>
-              <a:rPr lang="en-US" sz="1600" dirty="0" err="1" smtClean="0"/>
+              <a:rPr lang="en-US" sz="1600" dirty="0" err="1"/>
               <a:t>System.out.println</a:t>
             </a:r>
             <a:r>
@@ -4701,7 +4663,7 @@
               <a:buNone/>
             </a:pPr>
             <a:r>
-              <a:rPr lang="en-US" sz="1600" dirty="0" smtClean="0"/>
+              <a:rPr lang="en-US" sz="1600" dirty="0"/>
               <a:t>	// </a:t>
             </a:r>
             <a:r>
@@ -4787,10 +4749,9 @@
           <a:lstStyle/>
           <a:p>
             <a:r>
-              <a:rPr lang="en-IN" dirty="0" smtClean="0"/>
+              <a:rPr lang="en-IN" dirty="0"/>
               <a:t>Generic interface</a:t>
             </a:r>
-            <a:endParaRPr lang="en-IN" dirty="0"/>
           </a:p>
         </p:txBody>
       </p:sp>
@@ -4810,20 +4771,12 @@
           <a:lstStyle/>
           <a:p>
             <a:r>
-              <a:rPr lang="en-IN" dirty="0" smtClean="0"/>
+              <a:rPr lang="en-IN" dirty="0"/>
               <a:t>Generic </a:t>
             </a:r>
             <a:r>
-              <a:rPr lang="en-US" dirty="0" smtClean="0"/>
-              <a:t>interfaces </a:t>
-            </a:r>
-            <a:r>
               <a:rPr lang="en-US" dirty="0"/>
-              <a:t>are specified just like generic classes</a:t>
-            </a:r>
-            <a:r>
-              <a:rPr lang="en-US" dirty="0" smtClean="0"/>
-              <a:t>.</a:t>
+              <a:t>interfaces are specified just like generic classes.</a:t>
             </a:r>
           </a:p>
           <a:p>
@@ -4866,33 +4819,25 @@
               <a:buNone/>
             </a:pPr>
             <a:r>
-              <a:rPr lang="en-IN" i="1" dirty="0" smtClean="0"/>
-              <a:t>	T </a:t>
-            </a:r>
-            <a:r>
               <a:rPr lang="en-IN" i="1" dirty="0"/>
-              <a:t>min();</a:t>
-            </a:r>
-          </a:p>
-          <a:p>
-            <a:pPr marL="0" indent="0">
-              <a:buNone/>
-            </a:pPr>
-            <a:r>
-              <a:rPr lang="en-IN" i="1" dirty="0" smtClean="0"/>
-              <a:t>	T </a:t>
-            </a:r>
+              <a:t>	T min();</a:t>
+            </a:r>
+          </a:p>
+          <a:p>
+            <a:pPr marL="0" indent="0">
+              <a:buNone/>
+            </a:pPr>
             <a:r>
               <a:rPr lang="en-IN" i="1" dirty="0"/>
-              <a:t>max();</a:t>
-            </a:r>
-          </a:p>
-          <a:p>
-            <a:pPr marL="0" indent="0">
-              <a:buNone/>
-            </a:pPr>
-            <a:r>
-              <a:rPr lang="en-IN" i="1" dirty="0" smtClean="0"/>
+              <a:t>	T max();</a:t>
+            </a:r>
+          </a:p>
+          <a:p>
+            <a:pPr marL="0" indent="0">
+              <a:buNone/>
+            </a:pPr>
+            <a:r>
+              <a:rPr lang="en-IN" i="1" dirty="0"/>
               <a:t>}</a:t>
             </a:r>
           </a:p>
@@ -4950,10 +4895,9 @@
           <a:lstStyle/>
           <a:p>
             <a:r>
-              <a:rPr lang="en-IN" dirty="0" smtClean="0"/>
+              <a:rPr lang="en-IN" dirty="0"/>
               <a:t>Comparable</a:t>
             </a:r>
-            <a:endParaRPr lang="en-IN" dirty="0"/>
           </a:p>
         </p:txBody>
       </p:sp>
@@ -4976,16 +4920,11 @@
               <a:rPr lang="en-US" dirty="0"/>
               <a:t>Java Comparable interface is used to order the objects of the user-defined class. </a:t>
             </a:r>
-            <a:endParaRPr lang="en-US" dirty="0" smtClean="0"/>
-          </a:p>
-          <a:p>
-            <a:r>
-              <a:rPr lang="en-US" dirty="0" smtClean="0"/>
-              <a:t>This </a:t>
-            </a:r>
+          </a:p>
+          <a:p>
             <a:r>
               <a:rPr lang="en-US" dirty="0"/>
-              <a:t>interface is found in </a:t>
+              <a:t>This interface is found in </a:t>
             </a:r>
             <a:r>
               <a:rPr lang="en-US" dirty="0" err="1"/>
@@ -5003,27 +4942,17 @@
               <a:rPr lang="en-US" dirty="0"/>
               <a:t>(Object). </a:t>
             </a:r>
-            <a:endParaRPr lang="en-US" dirty="0" smtClean="0"/>
-          </a:p>
-          <a:p>
-            <a:r>
-              <a:rPr lang="en-US" dirty="0" smtClean="0"/>
-              <a:t>It </a:t>
-            </a:r>
+          </a:p>
+          <a:p>
             <a:r>
               <a:rPr lang="en-US" dirty="0"/>
-              <a:t>provides a single sorting sequence only, i.e., you can sort the elements on the basis of single data member only. </a:t>
-            </a:r>
-            <a:endParaRPr lang="en-US" dirty="0" smtClean="0"/>
-          </a:p>
-          <a:p>
-            <a:r>
-              <a:rPr lang="en-US" dirty="0" smtClean="0"/>
-              <a:t>For </a:t>
-            </a:r>
+              <a:t>It provides a single sorting sequence only, i.e., you can sort the elements on the basis of single data member only. </a:t>
+            </a:r>
+          </a:p>
+          <a:p>
             <a:r>
               <a:rPr lang="en-US" dirty="0"/>
-              <a:t>example, it may be </a:t>
+              <a:t>For example, it may be </a:t>
             </a:r>
             <a:r>
               <a:rPr lang="en-US" dirty="0" err="1"/>
@@ -5568,19 +5497,19 @@
               <a:buNone/>
             </a:pPr>
             <a:r>
-              <a:rPr lang="en-IN" sz="1600" b="1" dirty="0" smtClean="0"/>
+              <a:rPr lang="en-IN" sz="1600" b="1" dirty="0"/>
               <a:t>class</a:t>
             </a:r>
             <a:r>
-              <a:rPr lang="en-IN" sz="1600" dirty="0" smtClean="0"/>
+              <a:rPr lang="en-IN" sz="1600" dirty="0"/>
               <a:t> Student </a:t>
             </a:r>
             <a:r>
-              <a:rPr lang="en-IN" sz="1600" b="1" dirty="0" smtClean="0"/>
+              <a:rPr lang="en-IN" sz="1600" b="1" dirty="0"/>
               <a:t>implements</a:t>
             </a:r>
             <a:r>
-              <a:rPr lang="en-IN" sz="1600" dirty="0" smtClean="0"/>
+              <a:rPr lang="en-IN" sz="1600" dirty="0"/>
               <a:t> Comparable&lt;Student&gt;{  </a:t>
             </a:r>
           </a:p>
@@ -5590,19 +5519,19 @@
               <a:buNone/>
             </a:pPr>
             <a:r>
-              <a:rPr lang="en-IN" sz="1600" b="1" dirty="0" err="1" smtClean="0"/>
+              <a:rPr lang="en-IN" sz="1600" b="1" dirty="0" err="1"/>
               <a:t>int</a:t>
             </a:r>
             <a:r>
-              <a:rPr lang="en-IN" sz="1600" dirty="0" smtClean="0"/>
+              <a:rPr lang="en-IN" sz="1600" dirty="0"/>
               <a:t> </a:t>
             </a:r>
             <a:r>
-              <a:rPr lang="en-IN" sz="1600" dirty="0" err="1" smtClean="0"/>
+              <a:rPr lang="en-IN" sz="1600" dirty="0" err="1"/>
               <a:t>rollno</a:t>
             </a:r>
             <a:r>
-              <a:rPr lang="en-IN" sz="1600" dirty="0" smtClean="0"/>
+              <a:rPr lang="en-IN" sz="1600" dirty="0"/>
               <a:t>;  </a:t>
             </a:r>
           </a:p>
@@ -5612,7 +5541,7 @@
               <a:buNone/>
             </a:pPr>
             <a:r>
-              <a:rPr lang="en-IN" sz="1600" dirty="0" smtClean="0"/>
+              <a:rPr lang="en-IN" sz="1600" dirty="0"/>
               <a:t>String name;  </a:t>
             </a:r>
           </a:p>
@@ -5622,11 +5551,11 @@
               <a:buNone/>
             </a:pPr>
             <a:r>
-              <a:rPr lang="en-IN" sz="1600" b="1" dirty="0" err="1" smtClean="0"/>
+              <a:rPr lang="en-IN" sz="1600" b="1" dirty="0" err="1"/>
               <a:t>int</a:t>
             </a:r>
             <a:r>
-              <a:rPr lang="en-IN" sz="1600" dirty="0" smtClean="0"/>
+              <a:rPr lang="en-IN" sz="1600" dirty="0"/>
               <a:t> age;  </a:t>
             </a:r>
           </a:p>
@@ -5636,35 +5565,35 @@
               <a:buNone/>
             </a:pPr>
             <a:r>
-              <a:rPr lang="en-IN" sz="1600" dirty="0" smtClean="0"/>
+              <a:rPr lang="en-IN" sz="1600" dirty="0"/>
               <a:t>Student(</a:t>
             </a:r>
             <a:r>
-              <a:rPr lang="en-IN" sz="1600" b="1" dirty="0" err="1" smtClean="0"/>
+              <a:rPr lang="en-IN" sz="1600" b="1" dirty="0" err="1"/>
               <a:t>int</a:t>
             </a:r>
             <a:r>
-              <a:rPr lang="en-IN" sz="1600" dirty="0" smtClean="0"/>
+              <a:rPr lang="en-IN" sz="1600" dirty="0"/>
               <a:t> </a:t>
             </a:r>
             <a:r>
-              <a:rPr lang="en-IN" sz="1600" dirty="0" err="1" smtClean="0"/>
+              <a:rPr lang="en-IN" sz="1600" dirty="0" err="1"/>
               <a:t>rollno,String</a:t>
             </a:r>
             <a:r>
-              <a:rPr lang="en-IN" sz="1600" dirty="0" smtClean="0"/>
+              <a:rPr lang="en-IN" sz="1600" dirty="0"/>
               <a:t> </a:t>
             </a:r>
             <a:r>
-              <a:rPr lang="en-IN" sz="1600" dirty="0" err="1" smtClean="0"/>
+              <a:rPr lang="en-IN" sz="1600" dirty="0" err="1"/>
               <a:t>name,</a:t>
             </a:r>
             <a:r>
-              <a:rPr lang="en-IN" sz="1600" b="1" dirty="0" err="1" smtClean="0"/>
+              <a:rPr lang="en-IN" sz="1600" b="1" dirty="0" err="1"/>
               <a:t>int</a:t>
             </a:r>
             <a:r>
-              <a:rPr lang="en-IN" sz="1600" dirty="0" smtClean="0"/>
+              <a:rPr lang="en-IN" sz="1600" dirty="0"/>
               <a:t> age){  </a:t>
             </a:r>
           </a:p>
@@ -5674,23 +5603,23 @@
               <a:buNone/>
             </a:pPr>
             <a:r>
-              <a:rPr lang="en-IN" sz="1600" b="1" dirty="0" err="1" smtClean="0"/>
+              <a:rPr lang="en-IN" sz="1600" b="1" dirty="0" err="1"/>
               <a:t>this</a:t>
             </a:r>
             <a:r>
-              <a:rPr lang="en-IN" sz="1600" dirty="0" err="1" smtClean="0"/>
+              <a:rPr lang="en-IN" sz="1600" dirty="0" err="1"/>
               <a:t>.rollno</a:t>
             </a:r>
             <a:r>
-              <a:rPr lang="en-IN" sz="1600" dirty="0" smtClean="0"/>
+              <a:rPr lang="en-IN" sz="1600" dirty="0"/>
               <a:t>=</a:t>
             </a:r>
             <a:r>
-              <a:rPr lang="en-IN" sz="1600" dirty="0" err="1" smtClean="0"/>
+              <a:rPr lang="en-IN" sz="1600" dirty="0" err="1"/>
               <a:t>rollno</a:t>
             </a:r>
             <a:r>
-              <a:rPr lang="en-IN" sz="1600" dirty="0" smtClean="0"/>
+              <a:rPr lang="en-IN" sz="1600" dirty="0"/>
               <a:t>;  </a:t>
             </a:r>
           </a:p>
@@ -5700,11 +5629,11 @@
               <a:buNone/>
             </a:pPr>
             <a:r>
-              <a:rPr lang="en-IN" sz="1600" b="1" dirty="0" smtClean="0"/>
+              <a:rPr lang="en-IN" sz="1600" b="1" dirty="0"/>
               <a:t>this</a:t>
             </a:r>
             <a:r>
-              <a:rPr lang="en-IN" sz="1600" dirty="0" smtClean="0"/>
+              <a:rPr lang="en-IN" sz="1600" dirty="0"/>
               <a:t>.name=name;  </a:t>
             </a:r>
           </a:p>
@@ -5714,15 +5643,15 @@
               <a:buNone/>
             </a:pPr>
             <a:r>
-              <a:rPr lang="en-IN" sz="1600" b="1" dirty="0" err="1" smtClean="0"/>
+              <a:rPr lang="en-IN" sz="1600" b="1" dirty="0" err="1"/>
               <a:t>this</a:t>
             </a:r>
             <a:r>
-              <a:rPr lang="en-IN" sz="1600" dirty="0" err="1" smtClean="0"/>
+              <a:rPr lang="en-IN" sz="1600" dirty="0" err="1"/>
               <a:t>.age</a:t>
             </a:r>
             <a:r>
-              <a:rPr lang="en-IN" sz="1600" dirty="0" smtClean="0"/>
+              <a:rPr lang="en-IN" sz="1600" dirty="0"/>
               <a:t>=age;  </a:t>
             </a:r>
           </a:p>
@@ -5732,7 +5661,7 @@
               <a:buNone/>
             </a:pPr>
             <a:r>
-              <a:rPr lang="en-IN" sz="1600" dirty="0" smtClean="0"/>
+              <a:rPr lang="en-IN" sz="1600" dirty="0"/>
               <a:t>}  </a:t>
             </a:r>
           </a:p>
@@ -5742,7 +5671,7 @@
               <a:buNone/>
             </a:pPr>
             <a:r>
-              <a:rPr lang="en-IN" sz="1600" dirty="0" smtClean="0"/>
+              <a:rPr lang="en-IN" sz="1600" dirty="0"/>
               <a:t>  </a:t>
             </a:r>
           </a:p>
@@ -5752,35 +5681,35 @@
               <a:buNone/>
             </a:pPr>
             <a:r>
-              <a:rPr lang="en-IN" sz="1600" b="1" dirty="0" smtClean="0"/>
+              <a:rPr lang="en-IN" sz="1600" b="1" dirty="0"/>
               <a:t>public</a:t>
             </a:r>
             <a:r>
-              <a:rPr lang="en-IN" sz="1600" dirty="0" smtClean="0"/>
+              <a:rPr lang="en-IN" sz="1600" dirty="0"/>
               <a:t> </a:t>
             </a:r>
             <a:r>
-              <a:rPr lang="en-IN" sz="1600" b="1" dirty="0" err="1" smtClean="0"/>
+              <a:rPr lang="en-IN" sz="1600" b="1" dirty="0" err="1"/>
               <a:t>int</a:t>
             </a:r>
             <a:r>
-              <a:rPr lang="en-IN" sz="1600" dirty="0" smtClean="0"/>
+              <a:rPr lang="en-IN" sz="1600" dirty="0"/>
               <a:t> </a:t>
             </a:r>
             <a:r>
-              <a:rPr lang="en-IN" sz="1600" dirty="0" err="1" smtClean="0"/>
+              <a:rPr lang="en-IN" sz="1600" dirty="0" err="1"/>
               <a:t>compareTo</a:t>
             </a:r>
             <a:r>
-              <a:rPr lang="en-IN" sz="1600" dirty="0" smtClean="0"/>
+              <a:rPr lang="en-IN" sz="1600" dirty="0"/>
               <a:t>(Student </a:t>
             </a:r>
             <a:r>
-              <a:rPr lang="en-IN" sz="1600" dirty="0" err="1" smtClean="0"/>
+              <a:rPr lang="en-IN" sz="1600" dirty="0" err="1"/>
               <a:t>st</a:t>
             </a:r>
             <a:r>
-              <a:rPr lang="en-IN" sz="1600" dirty="0" smtClean="0"/>
+              <a:rPr lang="en-IN" sz="1600" dirty="0"/>
               <a:t>){  </a:t>
             </a:r>
           </a:p>
@@ -5790,19 +5719,19 @@
               <a:buNone/>
             </a:pPr>
             <a:r>
-              <a:rPr lang="en-IN" sz="1600" b="1" dirty="0" smtClean="0"/>
+              <a:rPr lang="en-IN" sz="1600" b="1" dirty="0"/>
               <a:t>if</a:t>
             </a:r>
             <a:r>
-              <a:rPr lang="en-IN" sz="1600" dirty="0" smtClean="0"/>
+              <a:rPr lang="en-IN" sz="1600" dirty="0"/>
               <a:t>(age==</a:t>
             </a:r>
             <a:r>
-              <a:rPr lang="en-IN" sz="1600" dirty="0" err="1" smtClean="0"/>
+              <a:rPr lang="en-IN" sz="1600" dirty="0" err="1"/>
               <a:t>st.age</a:t>
             </a:r>
             <a:r>
-              <a:rPr lang="en-IN" sz="1600" dirty="0" smtClean="0"/>
+              <a:rPr lang="en-IN" sz="1600" dirty="0"/>
               <a:t>)  </a:t>
             </a:r>
           </a:p>
@@ -5812,11 +5741,11 @@
               <a:buNone/>
             </a:pPr>
             <a:r>
-              <a:rPr lang="en-IN" sz="1600" b="1" dirty="0" smtClean="0"/>
+              <a:rPr lang="en-IN" sz="1600" b="1" dirty="0"/>
               <a:t>return</a:t>
             </a:r>
             <a:r>
-              <a:rPr lang="en-IN" sz="1600" dirty="0" smtClean="0"/>
+              <a:rPr lang="en-IN" sz="1600" dirty="0"/>
               <a:t> 0;  </a:t>
             </a:r>
           </a:p>
@@ -5826,27 +5755,27 @@
               <a:buNone/>
             </a:pPr>
             <a:r>
-              <a:rPr lang="en-IN" sz="1600" b="1" dirty="0" smtClean="0"/>
+              <a:rPr lang="en-IN" sz="1600" b="1" dirty="0"/>
               <a:t>else</a:t>
             </a:r>
             <a:r>
-              <a:rPr lang="en-IN" sz="1600" dirty="0" smtClean="0"/>
+              <a:rPr lang="en-IN" sz="1600" dirty="0"/>
               <a:t> </a:t>
             </a:r>
             <a:r>
-              <a:rPr lang="en-IN" sz="1600" b="1" dirty="0" smtClean="0"/>
+              <a:rPr lang="en-IN" sz="1600" b="1" dirty="0"/>
               <a:t>if</a:t>
             </a:r>
             <a:r>
-              <a:rPr lang="en-IN" sz="1600" dirty="0" smtClean="0"/>
+              <a:rPr lang="en-IN" sz="1600" dirty="0"/>
               <a:t>(age&gt;</a:t>
             </a:r>
             <a:r>
-              <a:rPr lang="en-IN" sz="1600" dirty="0" err="1" smtClean="0"/>
+              <a:rPr lang="en-IN" sz="1600" dirty="0" err="1"/>
               <a:t>st.age</a:t>
             </a:r>
             <a:r>
-              <a:rPr lang="en-IN" sz="1600" dirty="0" smtClean="0"/>
+              <a:rPr lang="en-IN" sz="1600" dirty="0"/>
               <a:t>)  </a:t>
             </a:r>
           </a:p>
@@ -5856,11 +5785,11 @@
               <a:buNone/>
             </a:pPr>
             <a:r>
-              <a:rPr lang="en-IN" sz="1600" b="1" dirty="0" smtClean="0"/>
+              <a:rPr lang="en-IN" sz="1600" b="1" dirty="0"/>
               <a:t>return</a:t>
             </a:r>
             <a:r>
-              <a:rPr lang="en-IN" sz="1600" dirty="0" smtClean="0"/>
+              <a:rPr lang="en-IN" sz="1600" dirty="0"/>
               <a:t> 1;  </a:t>
             </a:r>
           </a:p>
@@ -5870,11 +5799,11 @@
               <a:buNone/>
             </a:pPr>
             <a:r>
-              <a:rPr lang="en-IN" sz="1600" b="1" dirty="0" smtClean="0"/>
+              <a:rPr lang="en-IN" sz="1600" b="1" dirty="0"/>
               <a:t>else</a:t>
             </a:r>
             <a:r>
-              <a:rPr lang="en-IN" sz="1600" dirty="0" smtClean="0"/>
+              <a:rPr lang="en-IN" sz="1600" dirty="0"/>
               <a:t>  </a:t>
             </a:r>
           </a:p>
@@ -5884,11 +5813,11 @@
               <a:buNone/>
             </a:pPr>
             <a:r>
-              <a:rPr lang="en-IN" sz="1600" b="1" dirty="0" smtClean="0"/>
+              <a:rPr lang="en-IN" sz="1600" b="1" dirty="0"/>
               <a:t>return</a:t>
             </a:r>
             <a:r>
-              <a:rPr lang="en-IN" sz="1600" dirty="0" smtClean="0"/>
+              <a:rPr lang="en-IN" sz="1600" dirty="0"/>
               <a:t> -1;  </a:t>
             </a:r>
           </a:p>
@@ -5898,7 +5827,7 @@
               <a:buNone/>
             </a:pPr>
             <a:r>
-              <a:rPr lang="en-IN" sz="1600" dirty="0" smtClean="0"/>
+              <a:rPr lang="en-IN" sz="1600" dirty="0"/>
               <a:t>}  </a:t>
             </a:r>
           </a:p>
@@ -5908,7 +5837,7 @@
               <a:buNone/>
             </a:pPr>
             <a:r>
-              <a:rPr lang="en-IN" sz="1600" dirty="0" smtClean="0"/>
+              <a:rPr lang="en-IN" sz="1600" dirty="0"/>
               <a:t>}  </a:t>
             </a:r>
           </a:p>
@@ -6022,36 +5951,19 @@
             </a:r>
             <a:r>
               <a:rPr lang="fr-FR" dirty="0"/>
-              <a:t>&lt;T</a:t>
-            </a:r>
-            <a:r>
-              <a:rPr lang="fr-FR" dirty="0" smtClean="0"/>
-              <a:t>&gt;</a:t>
+              <a:t>&lt;T&gt;</a:t>
             </a:r>
           </a:p>
           <a:p>
             <a:r>
               <a:rPr lang="en-US" dirty="0"/>
-              <a:t>In general, if a class implements a generic interface, then that class must also be </a:t>
-            </a:r>
-            <a:r>
-              <a:rPr lang="en-US" dirty="0" smtClean="0"/>
-              <a:t>generic, at </a:t>
-            </a:r>
+              <a:t>In general, if a class implements a generic interface, then that class must also be generic, at least to the extent that it takes a type parameter that is passed to the interface. </a:t>
+            </a:r>
+          </a:p>
+          <a:p>
             <a:r>
               <a:rPr lang="en-US" dirty="0"/>
-              <a:t>least to the extent that it takes a type parameter that is passed to the interface. </a:t>
-            </a:r>
-            <a:endParaRPr lang="en-US" dirty="0" smtClean="0"/>
-          </a:p>
-          <a:p>
-            <a:r>
-              <a:rPr lang="en-US" dirty="0" smtClean="0"/>
-              <a:t>For example, the </a:t>
-            </a:r>
-            <a:r>
-              <a:rPr lang="en-US" dirty="0"/>
-              <a:t>following attempt to declare </a:t>
+              <a:t>For example, the following attempt to declare </a:t>
             </a:r>
             <a:r>
               <a:rPr lang="en-US" b="1" dirty="0" err="1"/>
@@ -6418,7 +6330,6 @@
               <a:rPr lang="en-IN" sz="1600" dirty="0"/>
               <a:t>}</a:t>
             </a:r>
-            <a:endParaRPr lang="en-IN" sz="1600" dirty="0"/>
           </a:p>
         </p:txBody>
       </p:sp>
@@ -6885,7 +6796,6 @@
               <a:rPr lang="en-IN" sz="1600" dirty="0"/>
               <a:t>}</a:t>
             </a:r>
-            <a:endParaRPr lang="en-IN" sz="1600" dirty="0"/>
           </a:p>
         </p:txBody>
       </p:sp>
@@ -6935,10 +6845,9 @@
           <a:lstStyle/>
           <a:p>
             <a:r>
-              <a:rPr lang="en-IN" dirty="0" smtClean="0"/>
+              <a:rPr lang="en-IN" dirty="0"/>
               <a:t>Generics</a:t>
             </a:r>
-            <a:endParaRPr lang="en-IN" dirty="0"/>
           </a:p>
         </p:txBody>
       </p:sp>
@@ -6959,57 +6868,23 @@
           <a:p>
             <a:r>
               <a:rPr lang="en-IN" dirty="0"/>
-              <a:t>Parameterized types are </a:t>
-            </a:r>
-            <a:r>
-              <a:rPr lang="en-IN" dirty="0" smtClean="0"/>
-              <a:t>important </a:t>
-            </a:r>
-            <a:r>
-              <a:rPr lang="en-US" dirty="0" smtClean="0"/>
-              <a:t>because </a:t>
+              <a:t>Parameterized types are important </a:t>
             </a:r>
             <a:r>
               <a:rPr lang="en-US" dirty="0"/>
-              <a:t>they enable you to create classes, interfaces, and methods in which the type of </a:t>
-            </a:r>
-            <a:r>
-              <a:rPr lang="en-US" dirty="0" smtClean="0"/>
-              <a:t>data upon </a:t>
-            </a:r>
+              <a:t>because they enable you to create classes, interfaces, and methods in which the type of data upon which they operate is specified as a parameter. </a:t>
+            </a:r>
+          </a:p>
+          <a:p>
             <a:r>
               <a:rPr lang="en-US" dirty="0"/>
-              <a:t>which they operate is specified as a parameter. </a:t>
-            </a:r>
-            <a:endParaRPr lang="en-US" dirty="0" smtClean="0"/>
-          </a:p>
-          <a:p>
-            <a:r>
-              <a:rPr lang="en-US" dirty="0" smtClean="0"/>
-              <a:t>Using </a:t>
-            </a:r>
+              <a:t>Using generics, it is possible to create a single class, for example, that automatically works with different types of data. </a:t>
+            </a:r>
+          </a:p>
+          <a:p>
             <a:r>
               <a:rPr lang="en-US" dirty="0"/>
-              <a:t>generics, it is possible to </a:t>
-            </a:r>
-            <a:r>
-              <a:rPr lang="en-US" dirty="0" smtClean="0"/>
-              <a:t>create a </a:t>
-            </a:r>
-            <a:r>
-              <a:rPr lang="en-US" dirty="0"/>
-              <a:t>single class, for example, that automatically works with different types of data. </a:t>
-            </a:r>
-            <a:endParaRPr lang="en-US" dirty="0" smtClean="0"/>
-          </a:p>
-          <a:p>
-            <a:r>
-              <a:rPr lang="en-US" dirty="0" smtClean="0"/>
-              <a:t>A class, interface</a:t>
-            </a:r>
-            <a:r>
-              <a:rPr lang="en-US" dirty="0"/>
-              <a:t>, or method that operates on a parameterized type is called </a:t>
+              <a:t>A class, interface, or method that operates on a parameterized type is called </a:t>
             </a:r>
             <a:r>
               <a:rPr lang="en-US" i="1" dirty="0"/>
@@ -7021,14 +6896,10 @@
             </a:r>
             <a:r>
               <a:rPr lang="en-US" i="1" dirty="0"/>
-              <a:t>generic </a:t>
-            </a:r>
-            <a:r>
-              <a:rPr lang="en-US" i="1" dirty="0" smtClean="0"/>
-              <a:t>class </a:t>
-            </a:r>
-            <a:r>
-              <a:rPr lang="en-IN" dirty="0" smtClean="0"/>
+              <a:t>generic class </a:t>
+            </a:r>
+            <a:r>
+              <a:rPr lang="en-IN" dirty="0"/>
               <a:t>or </a:t>
             </a:r>
             <a:r>
@@ -7085,10 +6956,9 @@
           <a:lstStyle/>
           <a:p>
             <a:r>
-              <a:rPr lang="en-IN" dirty="0" smtClean="0"/>
+              <a:rPr lang="en-IN" dirty="0"/>
               <a:t>Example</a:t>
             </a:r>
-            <a:endParaRPr lang="en-IN" dirty="0"/>
           </a:p>
         </p:txBody>
       </p:sp>
@@ -7122,7 +6992,7 @@
               <a:buNone/>
             </a:pPr>
             <a:r>
-              <a:rPr lang="en-IN" sz="1600" dirty="0" smtClean="0"/>
+              <a:rPr lang="en-IN" sz="1600" dirty="0"/>
               <a:t>	T </a:t>
             </a:r>
             <a:r>
@@ -7139,90 +7009,69 @@
               <a:buNone/>
             </a:pPr>
             <a:r>
-              <a:rPr lang="en-US" sz="1600" dirty="0" smtClean="0"/>
-              <a:t>	// </a:t>
-            </a:r>
-            <a:r>
               <a:rPr lang="en-US" sz="1600" dirty="0"/>
-              <a:t>Pass the constructor a reference to</a:t>
-            </a:r>
-          </a:p>
-          <a:p>
-            <a:pPr marL="0" indent="0">
-              <a:buNone/>
-            </a:pPr>
-            <a:r>
-              <a:rPr lang="en-US" sz="1600" dirty="0" smtClean="0"/>
-              <a:t>	// </a:t>
-            </a:r>
+              <a:t>	// Pass the constructor a reference to</a:t>
+            </a:r>
+          </a:p>
+          <a:p>
+            <a:pPr marL="0" indent="0">
+              <a:buNone/>
+            </a:pPr>
             <a:r>
               <a:rPr lang="en-US" sz="1600" dirty="0"/>
-              <a:t>an object of type T.</a:t>
-            </a:r>
-          </a:p>
-          <a:p>
-            <a:pPr marL="0" indent="0">
-              <a:buNone/>
-            </a:pPr>
-            <a:r>
-              <a:rPr lang="en-IN" sz="1600" dirty="0" smtClean="0"/>
-              <a:t>	Gen(T </a:t>
-            </a:r>
-            <a:r>
-              <a:rPr lang="en-IN" sz="1600" dirty="0"/>
-              <a:t>o) {</a:t>
-            </a:r>
-          </a:p>
-          <a:p>
-            <a:pPr marL="0" indent="0">
-              <a:buNone/>
-            </a:pPr>
-            <a:r>
-              <a:rPr lang="en-IN" sz="1600" dirty="0" smtClean="0"/>
+              <a:t>	// an object of type T.</a:t>
+            </a:r>
+          </a:p>
+          <a:p>
+            <a:pPr marL="0" indent="0">
+              <a:buNone/>
+            </a:pPr>
+            <a:r>
+              <a:rPr lang="en-IN" sz="1600" dirty="0"/>
+              <a:t>	Gen(T o) {</a:t>
+            </a:r>
+          </a:p>
+          <a:p>
+            <a:pPr marL="0" indent="0">
+              <a:buNone/>
+            </a:pPr>
+            <a:r>
+              <a:rPr lang="en-IN" sz="1600" dirty="0"/>
               <a:t>		</a:t>
             </a:r>
             <a:r>
-              <a:rPr lang="en-IN" sz="1600" dirty="0" err="1" smtClean="0"/>
+              <a:rPr lang="en-IN" sz="1600" dirty="0" err="1"/>
               <a:t>ob</a:t>
             </a:r>
             <a:r>
-              <a:rPr lang="en-IN" sz="1600" dirty="0" smtClean="0"/>
-              <a:t> </a:t>
-            </a:r>
-            <a:r>
-              <a:rPr lang="en-IN" sz="1600" dirty="0"/>
-              <a:t>= o;</a:t>
-            </a:r>
-          </a:p>
-          <a:p>
-            <a:pPr marL="0" indent="0">
-              <a:buNone/>
-            </a:pPr>
-            <a:r>
-              <a:rPr lang="en-IN" sz="1600" dirty="0" smtClean="0"/>
+              <a:rPr lang="en-IN" sz="1600" dirty="0"/>
+              <a:t> = o;</a:t>
+            </a:r>
+          </a:p>
+          <a:p>
+            <a:pPr marL="0" indent="0">
+              <a:buNone/>
+            </a:pPr>
+            <a:r>
+              <a:rPr lang="en-IN" sz="1600" dirty="0"/>
               <a:t>	}</a:t>
             </a:r>
-            <a:endParaRPr lang="en-IN" sz="1600" dirty="0"/>
-          </a:p>
-          <a:p>
-            <a:pPr marL="0" indent="0">
-              <a:buNone/>
-            </a:pPr>
-            <a:r>
-              <a:rPr lang="en-IN" sz="1600" dirty="0" smtClean="0"/>
-              <a:t>	// </a:t>
-            </a:r>
-            <a:r>
-              <a:rPr lang="en-IN" sz="1600" dirty="0"/>
-              <a:t>Return ob.</a:t>
-            </a:r>
-          </a:p>
-          <a:p>
-            <a:pPr marL="0" indent="0">
-              <a:buNone/>
-            </a:pPr>
-            <a:r>
-              <a:rPr lang="en-IN" sz="1600" dirty="0" smtClean="0"/>
+          </a:p>
+          <a:p>
+            <a:pPr marL="0" indent="0">
+              <a:buNone/>
+            </a:pPr>
+            <a:r>
+              <a:rPr lang="en-IN" sz="1600" dirty="0"/>
+              <a:t>	// Return ob.</a:t>
+            </a:r>
+          </a:p>
+          <a:p>
+            <a:pPr marL="0" indent="0">
+              <a:buNone/>
+            </a:pPr>
+            <a:r>
+              <a:rPr lang="en-IN" sz="1600" dirty="0"/>
               <a:t>	T </a:t>
             </a:r>
             <a:r>
@@ -7239,7 +7088,7 @@
               <a:buNone/>
             </a:pPr>
             <a:r>
-              <a:rPr lang="en-IN" sz="1600" dirty="0" smtClean="0"/>
+              <a:rPr lang="en-IN" sz="1600" dirty="0"/>
               <a:t>		return </a:t>
             </a:r>
             <a:r>
@@ -7256,30 +7105,25 @@
               <a:buNone/>
             </a:pPr>
             <a:r>
-              <a:rPr lang="en-IN" sz="1600" dirty="0" smtClean="0"/>
+              <a:rPr lang="en-IN" sz="1600" dirty="0"/>
               <a:t>	}</a:t>
             </a:r>
-            <a:endParaRPr lang="en-IN" sz="1600" dirty="0"/>
-          </a:p>
-          <a:p>
-            <a:pPr marL="0" indent="0">
-              <a:buNone/>
-            </a:pPr>
-            <a:r>
-              <a:rPr lang="en-IN" sz="1600" dirty="0" smtClean="0"/>
-              <a:t>	// </a:t>
-            </a:r>
-            <a:r>
-              <a:rPr lang="en-IN" sz="1600" dirty="0"/>
-              <a:t>Show type of T.</a:t>
-            </a:r>
-          </a:p>
-          <a:p>
-            <a:pPr marL="0" indent="0">
-              <a:buNone/>
-            </a:pPr>
-            <a:r>
-              <a:rPr lang="en-IN" sz="1600" dirty="0" smtClean="0"/>
+          </a:p>
+          <a:p>
+            <a:pPr marL="0" indent="0">
+              <a:buNone/>
+            </a:pPr>
+            <a:r>
+              <a:rPr lang="en-IN" sz="1600" dirty="0"/>
+              <a:t>	// Show type of T.</a:t>
+            </a:r>
+          </a:p>
+          <a:p>
+            <a:pPr marL="0" indent="0">
+              <a:buNone/>
+            </a:pPr>
+            <a:r>
+              <a:rPr lang="en-IN" sz="1600" dirty="0"/>
               <a:t>	void </a:t>
             </a:r>
             <a:r>
@@ -7296,11 +7140,11 @@
               <a:buNone/>
             </a:pPr>
             <a:r>
-              <a:rPr lang="en-US" sz="1600" dirty="0" smtClean="0"/>
+              <a:rPr lang="en-US" sz="1600" dirty="0"/>
               <a:t>		</a:t>
             </a:r>
             <a:r>
-              <a:rPr lang="en-US" sz="1600" dirty="0" err="1" smtClean="0"/>
+              <a:rPr lang="en-US" sz="1600" dirty="0" err="1"/>
               <a:t>System.out.println</a:t>
             </a:r>
             <a:r>
@@ -7313,11 +7157,11 @@
               <a:buNone/>
             </a:pPr>
             <a:r>
-              <a:rPr lang="en-IN" sz="1600" dirty="0" smtClean="0"/>
+              <a:rPr lang="en-IN" sz="1600" dirty="0"/>
               <a:t>		</a:t>
             </a:r>
             <a:r>
-              <a:rPr lang="en-IN" sz="1600" dirty="0" err="1" smtClean="0"/>
+              <a:rPr lang="en-IN" sz="1600" dirty="0" err="1"/>
               <a:t>ob.getClass</a:t>
             </a:r>
             <a:r>
@@ -7338,10 +7182,9 @@
               <a:buNone/>
             </a:pPr>
             <a:r>
-              <a:rPr lang="en-IN" sz="1600" dirty="0" smtClean="0"/>
+              <a:rPr lang="en-IN" sz="1600" dirty="0"/>
               <a:t>	}</a:t>
             </a:r>
-            <a:endParaRPr lang="en-IN" sz="1600" dirty="0"/>
           </a:p>
           <a:p>
             <a:pPr marL="0" indent="0">
@@ -7400,10 +7243,9 @@
           <a:lstStyle/>
           <a:p>
             <a:r>
-              <a:rPr lang="en-IN" dirty="0" smtClean="0"/>
+              <a:rPr lang="en-IN" dirty="0"/>
               <a:t>example</a:t>
             </a:r>
-            <a:endParaRPr lang="en-IN" dirty="0"/>
           </a:p>
         </p:txBody>
       </p:sp>
@@ -7467,25 +7309,17 @@
               <a:buNone/>
             </a:pPr>
             <a:r>
-              <a:rPr lang="en-US" sz="1600" dirty="0" smtClean="0"/>
-              <a:t>	// </a:t>
-            </a:r>
-            <a:r>
               <a:rPr lang="en-US" sz="1600" dirty="0"/>
-              <a:t>Create a Gen reference for Integers.</a:t>
-            </a:r>
-          </a:p>
-          <a:p>
-            <a:pPr marL="0" indent="0">
-              <a:buNone/>
-            </a:pPr>
-            <a:r>
-              <a:rPr lang="en-IN" sz="1600" dirty="0" smtClean="0"/>
-              <a:t>	Gen&lt;Integer</a:t>
-            </a:r>
-            <a:r>
-              <a:rPr lang="en-IN" sz="1600" dirty="0"/>
-              <a:t>&gt; </a:t>
+              <a:t>	// Create a Gen reference for Integers.</a:t>
+            </a:r>
+          </a:p>
+          <a:p>
+            <a:pPr marL="0" indent="0">
+              <a:buNone/>
+            </a:pPr>
+            <a:r>
+              <a:rPr lang="en-IN" sz="1600" dirty="0"/>
+              <a:t>	Gen&lt;Integer&gt; </a:t>
             </a:r>
             <a:r>
               <a:rPr lang="en-IN" sz="1600" dirty="0" err="1"/>
@@ -7501,33 +7335,25 @@
               <a:buNone/>
             </a:pPr>
             <a:r>
-              <a:rPr lang="en-US" sz="1600" dirty="0" smtClean="0"/>
+              <a:rPr lang="en-US" sz="1600" dirty="0"/>
               <a:t>	</a:t>
             </a:r>
             <a:r>
-              <a:rPr lang="en-IN" sz="1600" dirty="0" err="1" smtClean="0"/>
+              <a:rPr lang="en-IN" sz="1600" dirty="0" err="1"/>
               <a:t>iOb</a:t>
             </a:r>
             <a:r>
-              <a:rPr lang="en-IN" sz="1600" dirty="0" smtClean="0"/>
-              <a:t> </a:t>
-            </a:r>
-            <a:r>
-              <a:rPr lang="en-IN" sz="1600" dirty="0"/>
-              <a:t>= new Gen&lt;Integer&gt;(88);</a:t>
-            </a:r>
-          </a:p>
-          <a:p>
-            <a:pPr marL="0" indent="0">
-              <a:buNone/>
-            </a:pPr>
-            <a:r>
-              <a:rPr lang="en-US" sz="1600" dirty="0" smtClean="0"/>
-              <a:t>	// </a:t>
-            </a:r>
+              <a:rPr lang="en-IN" sz="1600" dirty="0"/>
+              <a:t> = new Gen&lt;Integer&gt;(88);</a:t>
+            </a:r>
+          </a:p>
+          <a:p>
+            <a:pPr marL="0" indent="0">
+              <a:buNone/>
+            </a:pPr>
             <a:r>
               <a:rPr lang="en-US" sz="1600" dirty="0"/>
-              <a:t>Show the type of data used by </a:t>
+              <a:t>	// Show the type of data used by </a:t>
             </a:r>
             <a:r>
               <a:rPr lang="en-US" sz="1600" dirty="0" err="1"/>
@@ -7543,11 +7369,11 @@
               <a:buNone/>
             </a:pPr>
             <a:r>
-              <a:rPr lang="en-IN" sz="1600" dirty="0" smtClean="0"/>
+              <a:rPr lang="en-IN" sz="1600" dirty="0"/>
               <a:t>	</a:t>
             </a:r>
             <a:r>
-              <a:rPr lang="en-IN" sz="1600" dirty="0" err="1" smtClean="0"/>
+              <a:rPr lang="en-IN" sz="1600" dirty="0" err="1"/>
               <a:t>iOb.showType</a:t>
             </a:r>
             <a:r>
@@ -7560,20 +7386,16 @@
               <a:buNone/>
             </a:pPr>
             <a:r>
-              <a:rPr lang="en-IN" sz="1600" dirty="0" smtClean="0"/>
+              <a:rPr lang="en-IN" sz="1600" dirty="0"/>
               <a:t>	</a:t>
             </a:r>
             <a:r>
-              <a:rPr lang="en-IN" sz="1600" dirty="0" err="1" smtClean="0"/>
+              <a:rPr lang="en-IN" sz="1600" dirty="0" err="1"/>
               <a:t>int</a:t>
             </a:r>
             <a:r>
-              <a:rPr lang="en-IN" sz="1600" dirty="0" smtClean="0"/>
-              <a:t> </a:t>
-            </a:r>
-            <a:r>
-              <a:rPr lang="en-IN" sz="1600" dirty="0"/>
-              <a:t>v = </a:t>
+              <a:rPr lang="en-IN" sz="1600" dirty="0"/>
+              <a:t> v = </a:t>
             </a:r>
             <a:r>
               <a:rPr lang="en-IN" sz="1600" dirty="0" err="1"/>
@@ -7589,11 +7411,11 @@
               <a:buNone/>
             </a:pPr>
             <a:r>
-              <a:rPr lang="en-IN" sz="1600" dirty="0" smtClean="0"/>
+              <a:rPr lang="en-IN" sz="1600" dirty="0"/>
               <a:t>	</a:t>
             </a:r>
             <a:r>
-              <a:rPr lang="en-IN" sz="1600" dirty="0" err="1" smtClean="0"/>
+              <a:rPr lang="en-IN" sz="1600" dirty="0" err="1"/>
               <a:t>System.out.println</a:t>
             </a:r>
             <a:r>
@@ -7606,11 +7428,11 @@
               <a:buNone/>
             </a:pPr>
             <a:r>
-              <a:rPr lang="en-IN" sz="1600" dirty="0" smtClean="0"/>
+              <a:rPr lang="en-IN" sz="1600" dirty="0"/>
               <a:t>	</a:t>
             </a:r>
             <a:r>
-              <a:rPr lang="en-IN" sz="1600" dirty="0" err="1" smtClean="0"/>
+              <a:rPr lang="en-IN" sz="1600" dirty="0" err="1"/>
               <a:t>System.out.println</a:t>
             </a:r>
             <a:r>
@@ -7623,25 +7445,17 @@
               <a:buNone/>
             </a:pPr>
             <a:r>
-              <a:rPr lang="en-US" sz="1600" dirty="0" smtClean="0"/>
-              <a:t>	// </a:t>
-            </a:r>
-            <a:r>
               <a:rPr lang="en-US" sz="1600" dirty="0"/>
-              <a:t>Create a Gen object for Strings.</a:t>
-            </a:r>
-          </a:p>
-          <a:p>
-            <a:pPr marL="0" indent="0">
-              <a:buNone/>
-            </a:pPr>
-            <a:r>
-              <a:rPr lang="en-IN" sz="1600" dirty="0" smtClean="0"/>
-              <a:t>	Gen&lt;String</a:t>
-            </a:r>
-            <a:r>
-              <a:rPr lang="en-IN" sz="1600" dirty="0"/>
-              <a:t>&gt; </a:t>
+              <a:t>	// Create a Gen object for Strings.</a:t>
+            </a:r>
+          </a:p>
+          <a:p>
+            <a:pPr marL="0" indent="0">
+              <a:buNone/>
+            </a:pPr>
+            <a:r>
+              <a:rPr lang="en-IN" sz="1600" dirty="0"/>
+              <a:t>	Gen&lt;String&gt; </a:t>
             </a:r>
             <a:r>
               <a:rPr lang="en-IN" sz="1600" dirty="0" err="1"/>
@@ -7657,12 +7471,8 @@
               <a:buNone/>
             </a:pPr>
             <a:r>
-              <a:rPr lang="en-US" sz="1600" dirty="0" smtClean="0"/>
-              <a:t>	// </a:t>
-            </a:r>
-            <a:r>
               <a:rPr lang="en-US" sz="1600" dirty="0"/>
-              <a:t>Show the type of data used by </a:t>
+              <a:t>	// Show the type of data used by </a:t>
             </a:r>
             <a:r>
               <a:rPr lang="en-US" sz="1600" dirty="0" err="1"/>
@@ -7678,18 +7488,17 @@
               <a:buNone/>
             </a:pPr>
             <a:r>
-              <a:rPr lang="en-IN" sz="1600" dirty="0" smtClean="0"/>
+              <a:rPr lang="en-IN" sz="1600" dirty="0"/>
               <a:t>	</a:t>
             </a:r>
             <a:r>
-              <a:rPr lang="en-IN" sz="1600" dirty="0" err="1" smtClean="0"/>
+              <a:rPr lang="en-IN" sz="1600" dirty="0" err="1"/>
               <a:t>strOb.showType</a:t>
             </a:r>
             <a:r>
-              <a:rPr lang="en-IN" sz="1600" dirty="0" smtClean="0"/>
+              <a:rPr lang="en-IN" sz="1600" dirty="0"/>
               <a:t>();</a:t>
             </a:r>
-            <a:endParaRPr lang="en-IN" sz="1600" dirty="0"/>
           </a:p>
         </p:txBody>
       </p:sp>
@@ -7890,23 +7699,23 @@
               <a:buNone/>
             </a:pPr>
             <a:r>
-              <a:rPr lang="en-IN" sz="1600" dirty="0" smtClean="0"/>
+              <a:rPr lang="en-IN" sz="1600" dirty="0"/>
               <a:t>String </a:t>
             </a:r>
             <a:r>
-              <a:rPr lang="en-IN" sz="1600" dirty="0" err="1" smtClean="0"/>
+              <a:rPr lang="en-IN" sz="1600" dirty="0" err="1"/>
               <a:t>str</a:t>
             </a:r>
             <a:r>
-              <a:rPr lang="en-IN" sz="1600" dirty="0" smtClean="0"/>
+              <a:rPr lang="en-IN" sz="1600" dirty="0"/>
               <a:t> = </a:t>
             </a:r>
             <a:r>
-              <a:rPr lang="en-IN" sz="1600" dirty="0" err="1" smtClean="0"/>
+              <a:rPr lang="en-IN" sz="1600" dirty="0" err="1"/>
               <a:t>strOb.getob</a:t>
             </a:r>
             <a:r>
-              <a:rPr lang="en-IN" sz="1600" dirty="0" smtClean="0"/>
+              <a:rPr lang="en-IN" sz="1600" dirty="0"/>
               <a:t>();</a:t>
             </a:r>
           </a:p>
@@ -7916,19 +7725,19 @@
               <a:buNone/>
             </a:pPr>
             <a:r>
-              <a:rPr lang="en-IN" sz="1600" dirty="0" err="1" smtClean="0"/>
+              <a:rPr lang="en-IN" sz="1600" dirty="0" err="1"/>
               <a:t>System.out.println</a:t>
             </a:r>
             <a:r>
-              <a:rPr lang="en-IN" sz="1600" dirty="0" smtClean="0"/>
+              <a:rPr lang="en-IN" sz="1600" dirty="0"/>
               <a:t>("value: " + </a:t>
             </a:r>
             <a:r>
-              <a:rPr lang="en-IN" sz="1600" dirty="0" err="1" smtClean="0"/>
+              <a:rPr lang="en-IN" sz="1600" dirty="0" err="1"/>
               <a:t>str</a:t>
             </a:r>
             <a:r>
-              <a:rPr lang="en-IN" sz="1600" dirty="0" smtClean="0"/>
+              <a:rPr lang="en-IN" sz="1600" dirty="0"/>
               <a:t>);</a:t>
             </a:r>
           </a:p>
@@ -7938,7 +7747,7 @@
               <a:buNone/>
             </a:pPr>
             <a:r>
-              <a:rPr lang="en-IN" sz="1600" dirty="0" smtClean="0"/>
+              <a:rPr lang="en-IN" sz="1600" dirty="0"/>
               <a:t>}</a:t>
             </a:r>
           </a:p>
@@ -7948,7 +7757,7 @@
               <a:buNone/>
             </a:pPr>
             <a:r>
-              <a:rPr lang="en-IN" sz="1600" dirty="0" smtClean="0"/>
+              <a:rPr lang="en-IN" sz="1600" dirty="0"/>
               <a:t>}</a:t>
             </a:r>
           </a:p>
@@ -8128,50 +7937,38 @@
               <a:buNone/>
             </a:pPr>
             <a:r>
-              <a:rPr lang="en-IN" sz="1600" dirty="0" err="1" smtClean="0"/>
+              <a:rPr lang="en-IN" sz="1600" dirty="0" err="1"/>
               <a:t>TwoGen</a:t>
             </a:r>
             <a:r>
-              <a:rPr lang="en-IN" sz="1600" dirty="0" smtClean="0"/>
-              <a:t>(T </a:t>
-            </a:r>
-            <a:r>
-              <a:rPr lang="en-IN" sz="1600" dirty="0"/>
-              <a:t>o1, V o2) {</a:t>
-            </a:r>
-          </a:p>
-          <a:p>
-            <a:pPr marL="0" indent="0">
-              <a:buNone/>
-            </a:pPr>
-            <a:r>
-              <a:rPr lang="en-IN" sz="1600" dirty="0" smtClean="0"/>
-              <a:t>	ob1 </a:t>
-            </a:r>
-            <a:r>
-              <a:rPr lang="en-IN" sz="1600" dirty="0"/>
-              <a:t>= o1;</a:t>
-            </a:r>
-          </a:p>
-          <a:p>
-            <a:pPr marL="0" indent="0">
-              <a:buNone/>
-            </a:pPr>
-            <a:r>
-              <a:rPr lang="en-IN" sz="1600" dirty="0" smtClean="0"/>
-              <a:t>	ob2 </a:t>
-            </a:r>
-            <a:r>
-              <a:rPr lang="en-IN" sz="1600" dirty="0"/>
-              <a:t>= o2;</a:t>
-            </a:r>
-          </a:p>
-          <a:p>
-            <a:pPr marL="0" indent="0">
-              <a:buNone/>
-            </a:pPr>
-            <a:r>
-              <a:rPr lang="en-IN" sz="1600" dirty="0" smtClean="0"/>
+              <a:rPr lang="en-IN" sz="1600" dirty="0"/>
+              <a:t>(T o1, V o2) {</a:t>
+            </a:r>
+          </a:p>
+          <a:p>
+            <a:pPr marL="0" indent="0">
+              <a:buNone/>
+            </a:pPr>
+            <a:r>
+              <a:rPr lang="en-IN" sz="1600" dirty="0"/>
+              <a:t>	ob1 = o1;</a:t>
+            </a:r>
+          </a:p>
+          <a:p>
+            <a:pPr marL="0" indent="0">
+              <a:buNone/>
+            </a:pPr>
+            <a:r>
+              <a:rPr lang="en-IN" sz="1600" dirty="0"/>
+              <a:t>	ob2 = o2;</a:t>
+            </a:r>
+          </a:p>
+          <a:p>
+            <a:pPr marL="0" indent="0">
+              <a:buNone/>
+            </a:pPr>
+            <a:r>
+              <a:rPr lang="en-IN" sz="1600" dirty="0"/>
               <a:t>}</a:t>
             </a:r>
           </a:p>
@@ -8197,11 +7994,11 @@
               <a:buNone/>
             </a:pPr>
             <a:r>
-              <a:rPr lang="en-US" sz="1600" dirty="0" smtClean="0"/>
+              <a:rPr lang="en-US" sz="1600" dirty="0"/>
               <a:t>	</a:t>
             </a:r>
             <a:r>
-              <a:rPr lang="en-US" sz="1600" dirty="0" err="1" smtClean="0"/>
+              <a:rPr lang="en-US" sz="1600" dirty="0" err="1"/>
               <a:t>System.out.println</a:t>
             </a:r>
             <a:r>
@@ -8214,12 +8011,8 @@
               <a:buNone/>
             </a:pPr>
             <a:r>
-              <a:rPr lang="en-IN" sz="1600" dirty="0" smtClean="0"/>
-              <a:t>	ob1.getClass</a:t>
-            </a:r>
-            <a:r>
-              <a:rPr lang="en-IN" sz="1600" dirty="0"/>
-              <a:t>().</a:t>
+              <a:rPr lang="en-IN" sz="1600" dirty="0"/>
+              <a:t>	ob1.getClass().</a:t>
             </a:r>
             <a:r>
               <a:rPr lang="en-IN" sz="1600" dirty="0" err="1"/>
@@ -8235,11 +8028,11 @@
               <a:buNone/>
             </a:pPr>
             <a:r>
-              <a:rPr lang="en-IN" sz="1600" dirty="0" smtClean="0"/>
+              <a:rPr lang="en-IN" sz="1600" dirty="0"/>
               <a:t>	</a:t>
             </a:r>
             <a:r>
-              <a:rPr lang="en-IN" sz="1600" dirty="0" err="1" smtClean="0"/>
+              <a:rPr lang="en-IN" sz="1600" dirty="0" err="1"/>
               <a:t>System.out.println</a:t>
             </a:r>
             <a:r>
@@ -8252,12 +8045,8 @@
               <a:buNone/>
             </a:pPr>
             <a:r>
-              <a:rPr lang="en-IN" sz="1600" dirty="0" smtClean="0"/>
-              <a:t>	ob2.getClass</a:t>
-            </a:r>
-            <a:r>
-              <a:rPr lang="en-IN" sz="1600" dirty="0"/>
-              <a:t>().</a:t>
+              <a:rPr lang="en-IN" sz="1600" dirty="0"/>
+              <a:t>	ob2.getClass().</a:t>
             </a:r>
             <a:r>
               <a:rPr lang="en-IN" sz="1600" dirty="0" err="1"/>
@@ -8291,12 +8080,8 @@
               <a:buNone/>
             </a:pPr>
             <a:r>
-              <a:rPr lang="en-IN" sz="1600" dirty="0" smtClean="0"/>
-              <a:t>	return </a:t>
-            </a:r>
-            <a:r>
-              <a:rPr lang="en-IN" sz="1600" dirty="0"/>
-              <a:t>ob1;</a:t>
+              <a:rPr lang="en-IN" sz="1600" dirty="0"/>
+              <a:t>	return ob1;</a:t>
             </a:r>
           </a:p>
           <a:p>
@@ -8322,12 +8107,8 @@
               <a:buNone/>
             </a:pPr>
             <a:r>
-              <a:rPr lang="en-IN" sz="1600" dirty="0" smtClean="0"/>
-              <a:t>	return </a:t>
-            </a:r>
-            <a:r>
-              <a:rPr lang="en-IN" sz="1600" dirty="0"/>
-              <a:t>ob2;</a:t>
+              <a:rPr lang="en-IN" sz="1600" dirty="0"/>
+              <a:t>	return ob2;</a:t>
             </a:r>
           </a:p>
           <a:p>
@@ -8900,10 +8681,9 @@
           <a:lstStyle/>
           <a:p>
             <a:r>
-              <a:rPr lang="en-IN" dirty="0" smtClean="0"/>
+              <a:rPr lang="en-IN" dirty="0"/>
               <a:t>Bounded types</a:t>
             </a:r>
-            <a:endParaRPr lang="en-IN" dirty="0"/>
           </a:p>
         </p:txBody>
       </p:sp>
@@ -8942,12 +8722,8 @@
               <a:buNone/>
             </a:pPr>
             <a:r>
-              <a:rPr lang="en-US" dirty="0" smtClean="0"/>
-              <a:t>	T</a:t>
-            </a:r>
-            <a:r>
               <a:rPr lang="en-US" dirty="0"/>
-              <a:t>[] </a:t>
+              <a:t>	T[] </a:t>
             </a:r>
             <a:r>
               <a:rPr lang="en-US" dirty="0" err="1"/>
@@ -8963,108 +8739,17 @@
               <a:buNone/>
             </a:pPr>
             <a:r>
-              <a:rPr lang="en-IN" dirty="0" smtClean="0"/>
-              <a:t>	Stats(T</a:t>
-            </a:r>
-            <a:r>
               <a:rPr lang="en-IN" dirty="0"/>
-              <a:t>[] o) {</a:t>
-            </a:r>
-          </a:p>
-          <a:p>
-            <a:pPr marL="0" indent="0">
-              <a:buNone/>
-            </a:pPr>
-            <a:r>
-              <a:rPr lang="en-IN" dirty="0" smtClean="0"/>
+              <a:t>	Stats(T[] o) {</a:t>
+            </a:r>
+          </a:p>
+          <a:p>
+            <a:pPr marL="0" indent="0">
+              <a:buNone/>
+            </a:pPr>
+            <a:r>
+              <a:rPr lang="en-IN" dirty="0"/>
               <a:t>		</a:t>
-            </a:r>
-            <a:r>
-              <a:rPr lang="en-IN" dirty="0" err="1" smtClean="0"/>
-              <a:t>nums</a:t>
-            </a:r>
-            <a:r>
-              <a:rPr lang="en-IN" dirty="0" smtClean="0"/>
-              <a:t> </a:t>
-            </a:r>
-            <a:r>
-              <a:rPr lang="en-IN" dirty="0"/>
-              <a:t>= o;</a:t>
-            </a:r>
-          </a:p>
-          <a:p>
-            <a:pPr marL="0" indent="0">
-              <a:buNone/>
-            </a:pPr>
-            <a:r>
-              <a:rPr lang="en-IN" dirty="0" smtClean="0"/>
-              <a:t>	}</a:t>
-            </a:r>
-            <a:endParaRPr lang="en-IN" dirty="0"/>
-          </a:p>
-          <a:p>
-            <a:pPr marL="0" indent="0">
-              <a:buNone/>
-            </a:pPr>
-            <a:r>
-              <a:rPr lang="en-US" dirty="0" smtClean="0"/>
-              <a:t>	// </a:t>
-            </a:r>
-            <a:r>
-              <a:rPr lang="en-US" dirty="0"/>
-              <a:t>Return type double in all cases.</a:t>
-            </a:r>
-          </a:p>
-          <a:p>
-            <a:pPr marL="0" indent="0">
-              <a:buNone/>
-            </a:pPr>
-            <a:r>
-              <a:rPr lang="en-IN" dirty="0" smtClean="0"/>
-              <a:t>	double </a:t>
-            </a:r>
-            <a:r>
-              <a:rPr lang="en-IN" dirty="0"/>
-              <a:t>average() {</a:t>
-            </a:r>
-          </a:p>
-          <a:p>
-            <a:pPr marL="0" indent="0">
-              <a:buNone/>
-            </a:pPr>
-            <a:r>
-              <a:rPr lang="en-IN" dirty="0" smtClean="0"/>
-              <a:t>		double </a:t>
-            </a:r>
-            <a:r>
-              <a:rPr lang="en-IN" dirty="0"/>
-              <a:t>sum = 0.0;</a:t>
-            </a:r>
-          </a:p>
-          <a:p>
-            <a:pPr marL="0" indent="0">
-              <a:buNone/>
-            </a:pPr>
-            <a:r>
-              <a:rPr lang="nn-NO" dirty="0" smtClean="0"/>
-              <a:t>		for(int </a:t>
-            </a:r>
-            <a:r>
-              <a:rPr lang="nn-NO" dirty="0"/>
-              <a:t>i=0; i &lt; nums.length; i++)</a:t>
-            </a:r>
-          </a:p>
-          <a:p>
-            <a:pPr marL="0" indent="0">
-              <a:buNone/>
-            </a:pPr>
-            <a:r>
-              <a:rPr lang="en-IN" dirty="0" smtClean="0"/>
-              <a:t>			sum </a:t>
-            </a:r>
-            <a:r>
-              <a:rPr lang="en-IN" dirty="0"/>
-              <a:t>+= </a:t>
             </a:r>
             <a:r>
               <a:rPr lang="en-IN" dirty="0" err="1"/>
@@ -9072,6 +8757,68 @@
             </a:r>
             <a:r>
               <a:rPr lang="en-IN" dirty="0"/>
+              <a:t> = o;</a:t>
+            </a:r>
+          </a:p>
+          <a:p>
+            <a:pPr marL="0" indent="0">
+              <a:buNone/>
+            </a:pPr>
+            <a:r>
+              <a:rPr lang="en-IN" dirty="0"/>
+              <a:t>	}</a:t>
+            </a:r>
+          </a:p>
+          <a:p>
+            <a:pPr marL="0" indent="0">
+              <a:buNone/>
+            </a:pPr>
+            <a:r>
+              <a:rPr lang="en-US" dirty="0"/>
+              <a:t>	// Return type double in all cases.</a:t>
+            </a:r>
+          </a:p>
+          <a:p>
+            <a:pPr marL="0" indent="0">
+              <a:buNone/>
+            </a:pPr>
+            <a:r>
+              <a:rPr lang="en-IN" dirty="0"/>
+              <a:t>	double average() {</a:t>
+            </a:r>
+          </a:p>
+          <a:p>
+            <a:pPr marL="0" indent="0">
+              <a:buNone/>
+            </a:pPr>
+            <a:r>
+              <a:rPr lang="en-IN" dirty="0"/>
+              <a:t>		double sum = 0.0;</a:t>
+            </a:r>
+          </a:p>
+          <a:p>
+            <a:pPr marL="0" indent="0">
+              <a:buNone/>
+            </a:pPr>
+            <a:r>
+              <a:rPr lang="nn-NO" dirty="0"/>
+              <a:t>		for(int i=0; i &lt; nums.length; i++)</a:t>
+            </a:r>
+          </a:p>
+          <a:p>
+            <a:pPr marL="0" indent="0">
+              <a:buNone/>
+            </a:pPr>
+            <a:r>
+              <a:rPr lang="en-IN" dirty="0"/>
+              <a:t>			sum += </a:t>
+            </a:r>
+            <a:r>
+              <a:rPr lang="en-IN" dirty="0" err="1"/>
+              <a:t>nums</a:t>
+            </a:r>
+            <a:r>
+              <a:rPr lang="en-IN" dirty="0"/>
               <a:t>[</a:t>
             </a:r>
             <a:r>
@@ -9096,12 +8843,8 @@
               <a:buNone/>
             </a:pPr>
             <a:r>
-              <a:rPr lang="en-IN" dirty="0" smtClean="0"/>
-              <a:t>			return </a:t>
-            </a:r>
-            <a:r>
               <a:rPr lang="en-IN" dirty="0"/>
-              <a:t>sum / </a:t>
+              <a:t>			return sum / </a:t>
             </a:r>
             <a:r>
               <a:rPr lang="en-IN" dirty="0" err="1"/>
@@ -9117,10 +8860,9 @@
               <a:buNone/>
             </a:pPr>
             <a:r>
-              <a:rPr lang="en-IN" dirty="0" smtClean="0"/>
+              <a:rPr lang="en-IN" dirty="0"/>
               <a:t>	}</a:t>
             </a:r>
-            <a:endParaRPr lang="en-IN" dirty="0"/>
           </a:p>
           <a:p>
             <a:pPr marL="0" indent="0">
@@ -9186,10 +8928,9 @@
           <a:lstStyle/>
           <a:p>
             <a:r>
-              <a:rPr lang="en-IN" dirty="0" smtClean="0"/>
+              <a:rPr lang="en-IN" dirty="0"/>
               <a:t>Bounded types</a:t>
             </a:r>
-            <a:endParaRPr lang="en-IN" dirty="0"/>
           </a:p>
         </p:txBody>
       </p:sp>
@@ -9236,12 +8977,8 @@
               <a:buNone/>
             </a:pPr>
             <a:r>
-              <a:rPr lang="en-US" sz="1600" dirty="0" smtClean="0"/>
-              <a:t>public </a:t>
-            </a:r>
-            <a:r>
               <a:rPr lang="en-US" sz="1600" dirty="0"/>
-              <a:t>static void main(String </a:t>
+              <a:t>public static void main(String </a:t>
             </a:r>
             <a:r>
               <a:rPr lang="en-US" sz="1600" dirty="0" err="1"/>
@@ -9257,7 +8994,7 @@
               <a:buNone/>
             </a:pPr>
             <a:r>
-              <a:rPr lang="en-IN" sz="1600" dirty="0" smtClean="0"/>
+              <a:rPr lang="en-IN" sz="1600" dirty="0"/>
               <a:t>	Integer </a:t>
             </a:r>
             <a:r>
@@ -9274,12 +9011,8 @@
               <a:buNone/>
             </a:pPr>
             <a:r>
-              <a:rPr lang="en-IN" sz="1600" dirty="0" smtClean="0"/>
-              <a:t>	Stats&lt;Integer</a:t>
-            </a:r>
-            <a:r>
-              <a:rPr lang="en-IN" sz="1600" dirty="0"/>
-              <a:t>&gt; </a:t>
+              <a:rPr lang="en-IN" sz="1600" dirty="0"/>
+              <a:t>	Stats&lt;Integer&gt; </a:t>
             </a:r>
             <a:r>
               <a:rPr lang="en-IN" sz="1600" dirty="0" err="1"/>
@@ -9303,12 +9036,8 @@
               <a:buNone/>
             </a:pPr>
             <a:r>
-              <a:rPr lang="en-IN" sz="1600" dirty="0" smtClean="0"/>
-              <a:t>	double </a:t>
-            </a:r>
-            <a:r>
-              <a:rPr lang="en-IN" sz="1600" dirty="0"/>
-              <a:t>v = </a:t>
+              <a:rPr lang="en-IN" sz="1600" dirty="0"/>
+              <a:t>	double v = </a:t>
             </a:r>
             <a:r>
               <a:rPr lang="en-IN" sz="1600" dirty="0" err="1"/>
@@ -9324,11 +9053,11 @@
               <a:buNone/>
             </a:pPr>
             <a:r>
-              <a:rPr lang="en-US" sz="1600" dirty="0" smtClean="0"/>
+              <a:rPr lang="en-US" sz="1600" dirty="0"/>
               <a:t>	</a:t>
             </a:r>
             <a:r>
-              <a:rPr lang="en-US" sz="1600" dirty="0" err="1" smtClean="0"/>
+              <a:rPr lang="en-US" sz="1600" dirty="0" err="1"/>
               <a:t>System.out.println</a:t>
             </a:r>
             <a:r>
@@ -9349,7 +9078,7 @@
               <a:buNone/>
             </a:pPr>
             <a:r>
-              <a:rPr lang="fr-FR" sz="1600" dirty="0" smtClean="0"/>
+              <a:rPr lang="fr-FR" sz="1600" dirty="0"/>
               <a:t>	Double </a:t>
             </a:r>
             <a:r>
@@ -9366,20 +9095,16 @@
               <a:buNone/>
             </a:pPr>
             <a:r>
-              <a:rPr lang="fr-FR" sz="1600" dirty="0" smtClean="0"/>
+              <a:rPr lang="fr-FR" sz="1600" dirty="0"/>
               <a:t>	</a:t>
             </a:r>
             <a:r>
-              <a:rPr lang="fr-FR" sz="1600" dirty="0" err="1" smtClean="0"/>
+              <a:rPr lang="fr-FR" sz="1600" dirty="0" err="1"/>
               <a:t>Stats</a:t>
             </a:r>
             <a:r>
-              <a:rPr lang="fr-FR" sz="1600" dirty="0" smtClean="0"/>
-              <a:t>&lt;Double</a:t>
-            </a:r>
-            <a:r>
               <a:rPr lang="fr-FR" sz="1600" dirty="0"/>
-              <a:t>&gt; </a:t>
+              <a:t>&lt;Double&gt; </a:t>
             </a:r>
             <a:r>
               <a:rPr lang="fr-FR" sz="1600" dirty="0" err="1"/>
@@ -9411,12 +9136,8 @@
               <a:buNone/>
             </a:pPr>
             <a:r>
-              <a:rPr lang="en-IN" sz="1600" dirty="0" smtClean="0"/>
-              <a:t>	double </a:t>
-            </a:r>
-            <a:r>
-              <a:rPr lang="en-IN" sz="1600" dirty="0"/>
-              <a:t>w = </a:t>
+              <a:rPr lang="en-IN" sz="1600" dirty="0"/>
+              <a:t>	double w = </a:t>
             </a:r>
             <a:r>
               <a:rPr lang="en-IN" sz="1600" dirty="0" err="1"/>
@@ -9432,11 +9153,11 @@
               <a:buNone/>
             </a:pPr>
             <a:r>
-              <a:rPr lang="en-US" sz="1600" dirty="0" smtClean="0"/>
+              <a:rPr lang="en-US" sz="1600" dirty="0"/>
               <a:t>	</a:t>
             </a:r>
             <a:r>
-              <a:rPr lang="en-US" sz="1600" dirty="0" err="1" smtClean="0"/>
+              <a:rPr lang="en-US" sz="1600" dirty="0" err="1"/>
               <a:t>System.out.println</a:t>
             </a:r>
             <a:r>
@@ -9457,38 +9178,26 @@
               <a:buNone/>
             </a:pPr>
             <a:r>
-              <a:rPr lang="en-US" sz="1600" dirty="0" smtClean="0"/>
-              <a:t>	// </a:t>
-            </a:r>
-            <a:r>
               <a:rPr lang="en-US" sz="1600" dirty="0"/>
-              <a:t>This won't compile because String is not a</a:t>
-            </a:r>
-          </a:p>
-          <a:p>
-            <a:pPr marL="0" indent="0">
-              <a:buNone/>
-            </a:pPr>
-            <a:r>
-              <a:rPr lang="en-IN" sz="1600" dirty="0" smtClean="0"/>
-              <a:t>	// </a:t>
-            </a:r>
-            <a:r>
-              <a:rPr lang="en-IN" sz="1600" dirty="0"/>
-              <a:t>subclass of Number.</a:t>
-            </a:r>
-          </a:p>
-          <a:p>
-            <a:pPr marL="0" indent="0">
-              <a:buNone/>
-            </a:pPr>
-            <a:r>
-              <a:rPr lang="en-IN" sz="1600" dirty="0" smtClean="0"/>
-              <a:t>	// </a:t>
-            </a:r>
-            <a:r>
-              <a:rPr lang="en-IN" sz="1600" dirty="0"/>
-              <a:t>String </a:t>
+              <a:t>	// This won't compile because String is not a</a:t>
+            </a:r>
+          </a:p>
+          <a:p>
+            <a:pPr marL="0" indent="0">
+              <a:buNone/>
+            </a:pPr>
+            <a:r>
+              <a:rPr lang="en-IN" sz="1600" dirty="0"/>
+              <a:t>	// subclass of Number.</a:t>
+            </a:r>
+          </a:p>
+          <a:p>
+            <a:pPr marL="0" indent="0">
+              <a:buNone/>
+            </a:pPr>
+            <a:r>
+              <a:rPr lang="en-IN" sz="1600" dirty="0"/>
+              <a:t>	// String </a:t>
             </a:r>
             <a:r>
               <a:rPr lang="en-IN" sz="1600" dirty="0" err="1"/>
@@ -9504,12 +9213,8 @@
               <a:buNone/>
             </a:pPr>
             <a:r>
-              <a:rPr lang="en-IN" sz="1600" dirty="0" smtClean="0"/>
-              <a:t>	// </a:t>
-            </a:r>
-            <a:r>
-              <a:rPr lang="en-IN" sz="1600" dirty="0"/>
-              <a:t>Stats&lt;String&gt; </a:t>
+              <a:rPr lang="en-IN" sz="1600" dirty="0"/>
+              <a:t>	// Stats&lt;String&gt; </a:t>
             </a:r>
             <a:r>
               <a:rPr lang="en-IN" sz="1600" dirty="0" err="1"/>
@@ -9533,12 +9238,8 @@
               <a:buNone/>
             </a:pPr>
             <a:r>
-              <a:rPr lang="en-IN" sz="1600" dirty="0" smtClean="0"/>
-              <a:t>	// </a:t>
-            </a:r>
-            <a:r>
-              <a:rPr lang="en-IN" sz="1600" dirty="0"/>
-              <a:t>double x = </a:t>
+              <a:rPr lang="en-IN" sz="1600" dirty="0"/>
+              <a:t>	// double x = </a:t>
             </a:r>
             <a:r>
               <a:rPr lang="en-IN" sz="1600" dirty="0" err="1"/>
@@ -9554,7 +9255,7 @@
               <a:buNone/>
             </a:pPr>
             <a:r>
-              <a:rPr lang="en-US" sz="1600" dirty="0" smtClean="0"/>
+              <a:rPr lang="en-US" sz="1600" dirty="0"/>
               <a:t>	// </a:t>
             </a:r>
             <a:r>
@@ -9647,10 +9348,9 @@
           <a:lstStyle/>
           <a:p>
             <a:r>
-              <a:rPr lang="en-IN" dirty="0" smtClean="0"/>
+              <a:rPr lang="en-IN" dirty="0"/>
               <a:t>Need for wild card</a:t>
             </a:r>
-            <a:endParaRPr lang="en-IN" dirty="0"/>
           </a:p>
         </p:txBody>
       </p:sp>
@@ -9713,19 +9413,15 @@
             <a:pPr marL="0" indent="0">
               <a:buNone/>
             </a:pPr>
-            <a:endParaRPr lang="en-IN" dirty="0" smtClean="0"/>
-          </a:p>
-          <a:p>
-            <a:pPr marL="0" indent="0">
-              <a:buNone/>
-            </a:pPr>
-            <a:r>
-              <a:rPr lang="en-IN" dirty="0" smtClean="0"/>
-              <a:t>Stats&lt;Integer</a:t>
-            </a:r>
+            <a:endParaRPr lang="en-IN" dirty="0"/>
+          </a:p>
+          <a:p>
+            <a:pPr marL="0" indent="0">
+              <a:buNone/>
+            </a:pPr>
             <a:r>
               <a:rPr lang="en-IN" dirty="0"/>
-              <a:t>&gt; </a:t>
+              <a:t>Stats&lt;Integer&gt; </a:t>
             </a:r>
             <a:r>
               <a:rPr lang="en-IN" dirty="0" err="1"/>
@@ -9785,29 +9481,28 @@
             <a:pPr marL="0" indent="0">
               <a:buNone/>
             </a:pPr>
-            <a:endParaRPr lang="en-IN" dirty="0" smtClean="0"/>
-          </a:p>
-          <a:p>
-            <a:pPr marL="0" indent="0">
-              <a:buNone/>
-            </a:pPr>
-            <a:r>
-              <a:rPr lang="en-IN" dirty="0" smtClean="0"/>
+            <a:endParaRPr lang="en-IN" dirty="0"/>
+          </a:p>
+          <a:p>
+            <a:pPr marL="0" indent="0">
+              <a:buNone/>
+            </a:pPr>
+            <a:r>
+              <a:rPr lang="en-IN" dirty="0"/>
               <a:t>if</a:t>
             </a:r>
             <a:r>
-              <a:rPr lang="en-IN" b="1" dirty="0" smtClean="0"/>
+              <a:rPr lang="en-IN" b="1" dirty="0"/>
               <a:t>(</a:t>
             </a:r>
             <a:r>
-              <a:rPr lang="en-IN" b="1" dirty="0" err="1" smtClean="0"/>
+              <a:rPr lang="en-IN" b="1" dirty="0" err="1"/>
               <a:t>iob.sameAvg</a:t>
             </a:r>
             <a:r>
-              <a:rPr lang="en-IN" b="1" dirty="0" smtClean="0"/>
+              <a:rPr lang="en-IN" b="1" dirty="0"/>
               <a:t>(dob)) //will work for same objects only</a:t>
             </a:r>
-            <a:endParaRPr lang="en-IN" b="1" dirty="0"/>
           </a:p>
           <a:p>
             <a:pPr marL="0" indent="0">
@@ -9841,44 +9536,31 @@
             </a:r>
             <a:r>
               <a:rPr lang="en-IN" dirty="0"/>
-              <a:t>("Averages differ</a:t>
-            </a:r>
-            <a:r>
-              <a:rPr lang="en-IN" dirty="0" smtClean="0"/>
-              <a:t>.");</a:t>
-            </a:r>
-          </a:p>
-          <a:p>
-            <a:pPr marL="0" indent="0">
-              <a:buNone/>
-            </a:pPr>
-            <a:endParaRPr lang="en-IN" dirty="0" smtClean="0"/>
-          </a:p>
-          <a:p>
-            <a:pPr marL="0" indent="0">
-              <a:buNone/>
-            </a:pPr>
-            <a:r>
-              <a:rPr lang="en-IN" b="1" dirty="0" smtClean="0"/>
-              <a:t>// </a:t>
-            </a:r>
+              <a:t>("Averages differ.");</a:t>
+            </a:r>
+          </a:p>
+          <a:p>
+            <a:pPr marL="0" indent="0">
+              <a:buNone/>
+            </a:pPr>
+            <a:endParaRPr lang="en-IN" dirty="0"/>
+          </a:p>
+          <a:p>
+            <a:pPr marL="0" indent="0">
+              <a:buNone/>
+            </a:pPr>
             <a:r>
               <a:rPr lang="en-IN" b="1" dirty="0"/>
-              <a:t>This won't work</a:t>
-            </a:r>
-            <a:r>
-              <a:rPr lang="en-IN" b="1" dirty="0" smtClean="0"/>
-              <a:t>! Because types of average and </a:t>
-            </a:r>
-            <a:r>
-              <a:rPr lang="en-IN" b="1" dirty="0" err="1" smtClean="0"/>
+              <a:t>// This won't work! Because types of average and </a:t>
+            </a:r>
+            <a:r>
+              <a:rPr lang="en-IN" b="1" dirty="0" err="1"/>
               <a:t>ob.average</a:t>
             </a:r>
             <a:r>
-              <a:rPr lang="en-IN" b="1" dirty="0" smtClean="0"/>
+              <a:rPr lang="en-IN" b="1" dirty="0"/>
               <a:t> must be same</a:t>
             </a:r>
-            <a:endParaRPr lang="en-IN" b="1" dirty="0"/>
           </a:p>
           <a:p>
             <a:pPr marL="0" indent="0">
@@ -9923,12 +9605,8 @@
               <a:buNone/>
             </a:pPr>
             <a:r>
-              <a:rPr lang="en-IN" dirty="0" smtClean="0"/>
-              <a:t>	if(average</a:t>
-            </a:r>
-            <a:r>
               <a:rPr lang="en-IN" dirty="0"/>
-              <a:t>() == </a:t>
+              <a:t>	if(average() == </a:t>
             </a:r>
             <a:r>
               <a:rPr lang="en-IN" dirty="0" err="1"/>
@@ -9944,25 +9622,17 @@
               <a:buNone/>
             </a:pPr>
             <a:r>
-              <a:rPr lang="en-IN" dirty="0" smtClean="0"/>
-              <a:t>		return </a:t>
-            </a:r>
-            <a:r>
               <a:rPr lang="en-IN" dirty="0"/>
-              <a:t>true;</a:t>
-            </a:r>
-          </a:p>
-          <a:p>
-            <a:pPr marL="0" indent="0">
-              <a:buNone/>
-            </a:pPr>
-            <a:r>
-              <a:rPr lang="en-IN" dirty="0" smtClean="0"/>
-              <a:t>	return </a:t>
-            </a:r>
+              <a:t>		return true;</a:t>
+            </a:r>
+          </a:p>
+          <a:p>
+            <a:pPr marL="0" indent="0">
+              <a:buNone/>
+            </a:pPr>
             <a:r>
               <a:rPr lang="en-IN" dirty="0"/>
-              <a:t>false;</a:t>
+              <a:t>	return false;</a:t>
             </a:r>
           </a:p>
           <a:p>

--- a/Reference materials/Advanced JAVA/41 Generic classes and methods.pptx
+++ b/Reference materials/Advanced JAVA/41 Generic classes and methods.pptx
@@ -223,7 +223,7 @@
           <a:p>
             <a:fld id="{CBDFB359-B0C7-4C2A-B5E6-DC0AAC7DC740}" type="datetimeFigureOut">
               <a:rPr lang="en-IN" smtClean="0"/>
-              <a:t>22-04-2021</a:t>
+              <a:t>21-04-2021</a:t>
             </a:fld>
             <a:endParaRPr lang="en-IN"/>
           </a:p>
@@ -685,7 +685,7 @@
             <a:fld id="{1D8BD707-D9CF-40AE-B4C6-C98DA3205C09}" type="datetimeFigureOut">
               <a:rPr lang="en-US" smtClean="0"/>
               <a:pPr/>
-              <a:t>4/22/2021</a:t>
+              <a:t>4/21/2021</a:t>
             </a:fld>
             <a:endParaRPr lang="en-US"/>
           </a:p>
@@ -1038,7 +1038,7 @@
             <a:fld id="{1D8BD707-D9CF-40AE-B4C6-C98DA3205C09}" type="datetimeFigureOut">
               <a:rPr lang="en-US" smtClean="0"/>
               <a:pPr/>
-              <a:t>4/22/2021</a:t>
+              <a:t>4/21/2021</a:t>
             </a:fld>
             <a:endParaRPr lang="en-US"/>
           </a:p>
@@ -1214,7 +1214,7 @@
             <a:fld id="{1D8BD707-D9CF-40AE-B4C6-C98DA3205C09}" type="datetimeFigureOut">
               <a:rPr lang="en-US" smtClean="0"/>
               <a:pPr/>
-              <a:t>4/22/2021</a:t>
+              <a:t>4/21/2021</a:t>
             </a:fld>
             <a:endParaRPr lang="en-US"/>
           </a:p>
@@ -1328,7 +1328,7 @@
             <a:fld id="{1D8BD707-D9CF-40AE-B4C6-C98DA3205C09}" type="datetimeFigureOut">
               <a:rPr lang="en-US" smtClean="0"/>
               <a:pPr/>
-              <a:t>4/22/2021</a:t>
+              <a:t>4/21/2021</a:t>
             </a:fld>
             <a:endParaRPr lang="en-US"/>
           </a:p>
@@ -1687,7 +1687,7 @@
             <a:fld id="{1D8BD707-D9CF-40AE-B4C6-C98DA3205C09}" type="datetimeFigureOut">
               <a:rPr lang="en-US" smtClean="0"/>
               <a:pPr/>
-              <a:t>4/22/2021</a:t>
+              <a:t>4/21/2021</a:t>
             </a:fld>
             <a:endParaRPr lang="en-US"/>
           </a:p>
@@ -1953,7 +1953,7 @@
             <a:fld id="{1D8BD707-D9CF-40AE-B4C6-C98DA3205C09}" type="datetimeFigureOut">
               <a:rPr lang="en-US" smtClean="0"/>
               <a:pPr/>
-              <a:t>4/22/2021</a:t>
+              <a:t>4/21/2021</a:t>
             </a:fld>
             <a:endParaRPr lang="en-US"/>
           </a:p>
@@ -2316,7 +2316,7 @@
             <a:fld id="{1D8BD707-D9CF-40AE-B4C6-C98DA3205C09}" type="datetimeFigureOut">
               <a:rPr lang="en-US" smtClean="0"/>
               <a:pPr/>
-              <a:t>4/22/2021</a:t>
+              <a:t>4/21/2021</a:t>
             </a:fld>
             <a:endParaRPr lang="en-US"/>
           </a:p>
@@ -2544,7 +2544,7 @@
             <a:fld id="{1D8BD707-D9CF-40AE-B4C6-C98DA3205C09}" type="datetimeFigureOut">
               <a:rPr lang="en-US" smtClean="0"/>
               <a:pPr/>
-              <a:t>4/22/2021</a:t>
+              <a:t>4/21/2021</a:t>
             </a:fld>
             <a:endParaRPr lang="en-US"/>
           </a:p>
@@ -2636,7 +2636,7 @@
             <a:fld id="{1D8BD707-D9CF-40AE-B4C6-C98DA3205C09}" type="datetimeFigureOut">
               <a:rPr lang="en-US" smtClean="0"/>
               <a:pPr/>
-              <a:t>4/22/2021</a:t>
+              <a:t>4/21/2021</a:t>
             </a:fld>
             <a:endParaRPr lang="en-US"/>
           </a:p>
@@ -2904,7 +2904,7 @@
             <a:fld id="{1D8BD707-D9CF-40AE-B4C6-C98DA3205C09}" type="datetimeFigureOut">
               <a:rPr lang="en-US" smtClean="0"/>
               <a:pPr/>
-              <a:t>4/22/2021</a:t>
+              <a:t>4/21/2021</a:t>
             </a:fld>
             <a:endParaRPr lang="en-US"/>
           </a:p>
@@ -3133,7 +3133,7 @@
             <a:fld id="{1D8BD707-D9CF-40AE-B4C6-C98DA3205C09}" type="datetimeFigureOut">
               <a:rPr lang="en-US" smtClean="0"/>
               <a:pPr/>
-              <a:t>4/22/2021</a:t>
+              <a:t>4/21/2021</a:t>
             </a:fld>
             <a:endParaRPr lang="en-US"/>
           </a:p>
@@ -3632,7 +3632,7 @@
             <a:fld id="{1D8BD707-D9CF-40AE-B4C6-C98DA3205C09}" type="datetimeFigureOut">
               <a:rPr lang="en-US" smtClean="0"/>
               <a:pPr/>
-              <a:t>4/22/2021</a:t>
+              <a:t>4/21/2021</a:t>
             </a:fld>
             <a:endParaRPr lang="en-US"/>
           </a:p>

--- a/Reference materials/Advanced JAVA/41 Generic classes and methods.pptx
+++ b/Reference materials/Advanced JAVA/41 Generic classes and methods.pptx
@@ -223,7 +223,7 @@
           <a:p>
             <a:fld id="{CBDFB359-B0C7-4C2A-B5E6-DC0AAC7DC740}" type="datetimeFigureOut">
               <a:rPr lang="en-IN" smtClean="0"/>
-              <a:t>21-04-2021</a:t>
+              <a:t>07-06-2021</a:t>
             </a:fld>
             <a:endParaRPr lang="en-IN"/>
           </a:p>
@@ -685,7 +685,7 @@
             <a:fld id="{1D8BD707-D9CF-40AE-B4C6-C98DA3205C09}" type="datetimeFigureOut">
               <a:rPr lang="en-US" smtClean="0"/>
               <a:pPr/>
-              <a:t>4/21/2021</a:t>
+              <a:t>6/7/2021</a:t>
             </a:fld>
             <a:endParaRPr lang="en-US"/>
           </a:p>
@@ -1038,7 +1038,7 @@
             <a:fld id="{1D8BD707-D9CF-40AE-B4C6-C98DA3205C09}" type="datetimeFigureOut">
               <a:rPr lang="en-US" smtClean="0"/>
               <a:pPr/>
-              <a:t>4/21/2021</a:t>
+              <a:t>6/7/2021</a:t>
             </a:fld>
             <a:endParaRPr lang="en-US"/>
           </a:p>
@@ -1214,7 +1214,7 @@
             <a:fld id="{1D8BD707-D9CF-40AE-B4C6-C98DA3205C09}" type="datetimeFigureOut">
               <a:rPr lang="en-US" smtClean="0"/>
               <a:pPr/>
-              <a:t>4/21/2021</a:t>
+              <a:t>6/7/2021</a:t>
             </a:fld>
             <a:endParaRPr lang="en-US"/>
           </a:p>
@@ -1328,7 +1328,7 @@
             <a:fld id="{1D8BD707-D9CF-40AE-B4C6-C98DA3205C09}" type="datetimeFigureOut">
               <a:rPr lang="en-US" smtClean="0"/>
               <a:pPr/>
-              <a:t>4/21/2021</a:t>
+              <a:t>6/7/2021</a:t>
             </a:fld>
             <a:endParaRPr lang="en-US"/>
           </a:p>
@@ -1687,7 +1687,7 @@
             <a:fld id="{1D8BD707-D9CF-40AE-B4C6-C98DA3205C09}" type="datetimeFigureOut">
               <a:rPr lang="en-US" smtClean="0"/>
               <a:pPr/>
-              <a:t>4/21/2021</a:t>
+              <a:t>6/7/2021</a:t>
             </a:fld>
             <a:endParaRPr lang="en-US"/>
           </a:p>
@@ -1953,7 +1953,7 @@
             <a:fld id="{1D8BD707-D9CF-40AE-B4C6-C98DA3205C09}" type="datetimeFigureOut">
               <a:rPr lang="en-US" smtClean="0"/>
               <a:pPr/>
-              <a:t>4/21/2021</a:t>
+              <a:t>6/7/2021</a:t>
             </a:fld>
             <a:endParaRPr lang="en-US"/>
           </a:p>
@@ -2316,7 +2316,7 @@
             <a:fld id="{1D8BD707-D9CF-40AE-B4C6-C98DA3205C09}" type="datetimeFigureOut">
               <a:rPr lang="en-US" smtClean="0"/>
               <a:pPr/>
-              <a:t>4/21/2021</a:t>
+              <a:t>6/7/2021</a:t>
             </a:fld>
             <a:endParaRPr lang="en-US"/>
           </a:p>
@@ -2544,7 +2544,7 @@
             <a:fld id="{1D8BD707-D9CF-40AE-B4C6-C98DA3205C09}" type="datetimeFigureOut">
               <a:rPr lang="en-US" smtClean="0"/>
               <a:pPr/>
-              <a:t>4/21/2021</a:t>
+              <a:t>6/7/2021</a:t>
             </a:fld>
             <a:endParaRPr lang="en-US"/>
           </a:p>
@@ -2636,7 +2636,7 @@
             <a:fld id="{1D8BD707-D9CF-40AE-B4C6-C98DA3205C09}" type="datetimeFigureOut">
               <a:rPr lang="en-US" smtClean="0"/>
               <a:pPr/>
-              <a:t>4/21/2021</a:t>
+              <a:t>6/7/2021</a:t>
             </a:fld>
             <a:endParaRPr lang="en-US"/>
           </a:p>
@@ -2904,7 +2904,7 @@
             <a:fld id="{1D8BD707-D9CF-40AE-B4C6-C98DA3205C09}" type="datetimeFigureOut">
               <a:rPr lang="en-US" smtClean="0"/>
               <a:pPr/>
-              <a:t>4/21/2021</a:t>
+              <a:t>6/7/2021</a:t>
             </a:fld>
             <a:endParaRPr lang="en-US"/>
           </a:p>
@@ -3133,7 +3133,7 @@
             <a:fld id="{1D8BD707-D9CF-40AE-B4C6-C98DA3205C09}" type="datetimeFigureOut">
               <a:rPr lang="en-US" smtClean="0"/>
               <a:pPr/>
-              <a:t>4/21/2021</a:t>
+              <a:t>6/7/2021</a:t>
             </a:fld>
             <a:endParaRPr lang="en-US"/>
           </a:p>
@@ -3632,7 +3632,7 @@
             <a:fld id="{1D8BD707-D9CF-40AE-B4C6-C98DA3205C09}" type="datetimeFigureOut">
               <a:rPr lang="en-US" smtClean="0"/>
               <a:pPr/>
-              <a:t>4/21/2021</a:t>
+              <a:t>6/7/2021</a:t>
             </a:fld>
             <a:endParaRPr lang="en-US"/>
           </a:p>
@@ -7320,23 +7320,6 @@
             <a:r>
               <a:rPr lang="en-IN" sz="1600" dirty="0"/>
               <a:t>	Gen&lt;Integer&gt; </a:t>
-            </a:r>
-            <a:r>
-              <a:rPr lang="en-IN" sz="1600" dirty="0" err="1"/>
-              <a:t>iOb</a:t>
-            </a:r>
-            <a:r>
-              <a:rPr lang="en-IN" sz="1600" dirty="0"/>
-              <a:t>;</a:t>
-            </a:r>
-          </a:p>
-          <a:p>
-            <a:pPr marL="0" indent="0">
-              <a:buNone/>
-            </a:pPr>
-            <a:r>
-              <a:rPr lang="en-US" sz="1600" dirty="0"/>
-              <a:t>	</a:t>
             </a:r>
             <a:r>
               <a:rPr lang="en-IN" sz="1600" dirty="0" err="1"/>
